--- a/figures/fig_2.pptx
+++ b/figures/fig_2.pptx
@@ -2968,6 +2968,378 @@
       </p:grpSpPr>
       <p:cxnSp>
         <p:nvCxnSpPr>
+          <p:cNvPr id="52" name="Straight Connector 51">
+            <a:extLst>
+              <a:ext uri="{FF2B5EF4-FFF2-40B4-BE49-F238E27FC236}">
+                <a16:creationId xmlns:a16="http://schemas.microsoft.com/office/drawing/2014/main" id="{C7DD881A-27FA-22CE-5503-4981135BB088}"/>
+              </a:ext>
+            </a:extLst>
+          </p:cNvPr>
+          <p:cNvCxnSpPr>
+            <a:cxnSpLocks/>
+          </p:cNvCxnSpPr>
+          <p:nvPr/>
+        </p:nvCxnSpPr>
+        <p:spPr>
+          <a:xfrm>
+            <a:off x="4445000" y="2479611"/>
+            <a:ext cx="9651" cy="1285369"/>
+          </a:xfrm>
+          <a:prstGeom prst="line">
+            <a:avLst/>
+          </a:prstGeom>
+          <a:ln>
+            <a:solidFill>
+              <a:schemeClr val="tx1"/>
+            </a:solidFill>
+            <a:prstDash val="dash"/>
+          </a:ln>
+        </p:spPr>
+        <p:style>
+          <a:lnRef idx="1">
+            <a:schemeClr val="accent1"/>
+          </a:lnRef>
+          <a:fillRef idx="0">
+            <a:schemeClr val="accent1"/>
+          </a:fillRef>
+          <a:effectRef idx="0">
+            <a:schemeClr val="accent1"/>
+          </a:effectRef>
+          <a:fontRef idx="minor">
+            <a:schemeClr val="tx1"/>
+          </a:fontRef>
+        </p:style>
+      </p:cxnSp>
+      <p:sp>
+        <p:nvSpPr>
+          <p:cNvPr id="48" name="Freeform 47">
+            <a:extLst>
+              <a:ext uri="{FF2B5EF4-FFF2-40B4-BE49-F238E27FC236}">
+                <a16:creationId xmlns:a16="http://schemas.microsoft.com/office/drawing/2014/main" id="{DC28EE70-A1D9-0A9A-F6FB-20297505C2BF}"/>
+              </a:ext>
+            </a:extLst>
+          </p:cNvPr>
+          <p:cNvSpPr/>
+          <p:nvPr/>
+        </p:nvSpPr>
+        <p:spPr>
+          <a:xfrm flipH="1">
+            <a:off x="3930060" y="2526515"/>
+            <a:ext cx="1010240" cy="945549"/>
+          </a:xfrm>
+          <a:custGeom>
+            <a:avLst/>
+            <a:gdLst>
+              <a:gd name="connsiteX0" fmla="*/ 0 w 3340100"/>
+              <a:gd name="connsiteY0" fmla="*/ 2045737 h 2045737"/>
+              <a:gd name="connsiteX1" fmla="*/ 1257300 w 3340100"/>
+              <a:gd name="connsiteY1" fmla="*/ 1423437 h 2045737"/>
+              <a:gd name="connsiteX2" fmla="*/ 2819400 w 3340100"/>
+              <a:gd name="connsiteY2" fmla="*/ 89937 h 2045737"/>
+              <a:gd name="connsiteX3" fmla="*/ 3340100 w 3340100"/>
+              <a:gd name="connsiteY3" fmla="*/ 229637 h 2045737"/>
+              <a:gd name="connsiteX0" fmla="*/ 0 w 3340100"/>
+              <a:gd name="connsiteY0" fmla="*/ 2045737 h 2045737"/>
+              <a:gd name="connsiteX1" fmla="*/ 1257300 w 3340100"/>
+              <a:gd name="connsiteY1" fmla="*/ 1423437 h 2045737"/>
+              <a:gd name="connsiteX2" fmla="*/ 2819400 w 3340100"/>
+              <a:gd name="connsiteY2" fmla="*/ 89937 h 2045737"/>
+              <a:gd name="connsiteX3" fmla="*/ 3340100 w 3340100"/>
+              <a:gd name="connsiteY3" fmla="*/ 229637 h 2045737"/>
+              <a:gd name="connsiteX0" fmla="*/ 0 w 3340100"/>
+              <a:gd name="connsiteY0" fmla="*/ 2014567 h 2014567"/>
+              <a:gd name="connsiteX1" fmla="*/ 1490382 w 3340100"/>
+              <a:gd name="connsiteY1" fmla="*/ 970926 h 2014567"/>
+              <a:gd name="connsiteX2" fmla="*/ 2819400 w 3340100"/>
+              <a:gd name="connsiteY2" fmla="*/ 58767 h 2014567"/>
+              <a:gd name="connsiteX3" fmla="*/ 3340100 w 3340100"/>
+              <a:gd name="connsiteY3" fmla="*/ 198467 h 2014567"/>
+              <a:gd name="connsiteX0" fmla="*/ 0 w 3340100"/>
+              <a:gd name="connsiteY0" fmla="*/ 2014567 h 2014567"/>
+              <a:gd name="connsiteX1" fmla="*/ 1490382 w 3340100"/>
+              <a:gd name="connsiteY1" fmla="*/ 970926 h 2014567"/>
+              <a:gd name="connsiteX2" fmla="*/ 2819400 w 3340100"/>
+              <a:gd name="connsiteY2" fmla="*/ 58767 h 2014567"/>
+              <a:gd name="connsiteX3" fmla="*/ 3340100 w 3340100"/>
+              <a:gd name="connsiteY3" fmla="*/ 198467 h 2014567"/>
+              <a:gd name="connsiteX0" fmla="*/ 0 w 3340100"/>
+              <a:gd name="connsiteY0" fmla="*/ 1995354 h 1995354"/>
+              <a:gd name="connsiteX1" fmla="*/ 1705535 w 3340100"/>
+              <a:gd name="connsiteY1" fmla="*/ 691736 h 1995354"/>
+              <a:gd name="connsiteX2" fmla="*/ 2819400 w 3340100"/>
+              <a:gd name="connsiteY2" fmla="*/ 39554 h 1995354"/>
+              <a:gd name="connsiteX3" fmla="*/ 3340100 w 3340100"/>
+              <a:gd name="connsiteY3" fmla="*/ 179254 h 1995354"/>
+              <a:gd name="connsiteX0" fmla="*/ 0 w 3340100"/>
+              <a:gd name="connsiteY0" fmla="*/ 1955800 h 1955800"/>
+              <a:gd name="connsiteX1" fmla="*/ 1705535 w 3340100"/>
+              <a:gd name="connsiteY1" fmla="*/ 652182 h 1955800"/>
+              <a:gd name="connsiteX2" fmla="*/ 2819400 w 3340100"/>
+              <a:gd name="connsiteY2" fmla="*/ 0 h 1955800"/>
+              <a:gd name="connsiteX3" fmla="*/ 3340100 w 3340100"/>
+              <a:gd name="connsiteY3" fmla="*/ 139700 h 1955800"/>
+              <a:gd name="connsiteX0" fmla="*/ 0 w 3378670"/>
+              <a:gd name="connsiteY0" fmla="*/ 1955800 h 1955800"/>
+              <a:gd name="connsiteX1" fmla="*/ 1705535 w 3378670"/>
+              <a:gd name="connsiteY1" fmla="*/ 652182 h 1955800"/>
+              <a:gd name="connsiteX2" fmla="*/ 2819400 w 3378670"/>
+              <a:gd name="connsiteY2" fmla="*/ 0 h 1955800"/>
+              <a:gd name="connsiteX3" fmla="*/ 3340100 w 3378670"/>
+              <a:gd name="connsiteY3" fmla="*/ 139700 h 1955800"/>
+              <a:gd name="connsiteX4" fmla="*/ 3340100 w 3378670"/>
+              <a:gd name="connsiteY4" fmla="*/ 133723 h 1955800"/>
+              <a:gd name="connsiteX0" fmla="*/ 0 w 3412818"/>
+              <a:gd name="connsiteY0" fmla="*/ 1955800 h 1955800"/>
+              <a:gd name="connsiteX1" fmla="*/ 1705535 w 3412818"/>
+              <a:gd name="connsiteY1" fmla="*/ 652182 h 1955800"/>
+              <a:gd name="connsiteX2" fmla="*/ 2819400 w 3412818"/>
+              <a:gd name="connsiteY2" fmla="*/ 0 h 1955800"/>
+              <a:gd name="connsiteX3" fmla="*/ 3340100 w 3412818"/>
+              <a:gd name="connsiteY3" fmla="*/ 139700 h 1955800"/>
+              <a:gd name="connsiteX4" fmla="*/ 3411818 w 3412818"/>
+              <a:gd name="connsiteY4" fmla="*/ 160617 h 1955800"/>
+              <a:gd name="connsiteX0" fmla="*/ 0 w 3411818"/>
+              <a:gd name="connsiteY0" fmla="*/ 1974688 h 1974688"/>
+              <a:gd name="connsiteX1" fmla="*/ 1705535 w 3411818"/>
+              <a:gd name="connsiteY1" fmla="*/ 671070 h 1974688"/>
+              <a:gd name="connsiteX2" fmla="*/ 2819400 w 3411818"/>
+              <a:gd name="connsiteY2" fmla="*/ 18888 h 1974688"/>
+              <a:gd name="connsiteX3" fmla="*/ 3411818 w 3411818"/>
+              <a:gd name="connsiteY3" fmla="*/ 179505 h 1974688"/>
+              <a:gd name="connsiteX0" fmla="*/ 0 w 3411818"/>
+              <a:gd name="connsiteY0" fmla="*/ 1955809 h 1955809"/>
+              <a:gd name="connsiteX1" fmla="*/ 1705535 w 3411818"/>
+              <a:gd name="connsiteY1" fmla="*/ 652191 h 1955809"/>
+              <a:gd name="connsiteX2" fmla="*/ 2819400 w 3411818"/>
+              <a:gd name="connsiteY2" fmla="*/ 9 h 1955809"/>
+              <a:gd name="connsiteX3" fmla="*/ 3411818 w 3411818"/>
+              <a:gd name="connsiteY3" fmla="*/ 160626 h 1955809"/>
+              <a:gd name="connsiteX0" fmla="*/ 0 w 3411818"/>
+              <a:gd name="connsiteY0" fmla="*/ 1955809 h 1955809"/>
+              <a:gd name="connsiteX1" fmla="*/ 1705535 w 3411818"/>
+              <a:gd name="connsiteY1" fmla="*/ 652191 h 1955809"/>
+              <a:gd name="connsiteX2" fmla="*/ 2819400 w 3411818"/>
+              <a:gd name="connsiteY2" fmla="*/ 9 h 1955809"/>
+              <a:gd name="connsiteX3" fmla="*/ 3411818 w 3411818"/>
+              <a:gd name="connsiteY3" fmla="*/ 160626 h 1955809"/>
+              <a:gd name="connsiteX0" fmla="*/ 0 w 3411818"/>
+              <a:gd name="connsiteY0" fmla="*/ 1958122 h 1958122"/>
+              <a:gd name="connsiteX1" fmla="*/ 1705535 w 3411818"/>
+              <a:gd name="connsiteY1" fmla="*/ 654504 h 1958122"/>
+              <a:gd name="connsiteX2" fmla="*/ 2819400 w 3411818"/>
+              <a:gd name="connsiteY2" fmla="*/ 2322 h 1958122"/>
+              <a:gd name="connsiteX3" fmla="*/ 3411818 w 3411818"/>
+              <a:gd name="connsiteY3" fmla="*/ 162939 h 1958122"/>
+              <a:gd name="connsiteX0" fmla="*/ 0 w 3574813"/>
+              <a:gd name="connsiteY0" fmla="*/ 2057364 h 2057364"/>
+              <a:gd name="connsiteX1" fmla="*/ 1705535 w 3574813"/>
+              <a:gd name="connsiteY1" fmla="*/ 753746 h 2057364"/>
+              <a:gd name="connsiteX2" fmla="*/ 2819400 w 3574813"/>
+              <a:gd name="connsiteY2" fmla="*/ 101564 h 2057364"/>
+              <a:gd name="connsiteX3" fmla="*/ 3574813 w 3574813"/>
+              <a:gd name="connsiteY3" fmla="*/ 21569 h 2057364"/>
+              <a:gd name="connsiteX0" fmla="*/ 0 w 3574813"/>
+              <a:gd name="connsiteY0" fmla="*/ 2077668 h 2077668"/>
+              <a:gd name="connsiteX1" fmla="*/ 1705535 w 3574813"/>
+              <a:gd name="connsiteY1" fmla="*/ 774050 h 2077668"/>
+              <a:gd name="connsiteX2" fmla="*/ 2765069 w 3574813"/>
+              <a:gd name="connsiteY2" fmla="*/ 75298 h 2077668"/>
+              <a:gd name="connsiteX3" fmla="*/ 3574813 w 3574813"/>
+              <a:gd name="connsiteY3" fmla="*/ 41873 h 2077668"/>
+              <a:gd name="connsiteX0" fmla="*/ 0 w 3574813"/>
+              <a:gd name="connsiteY0" fmla="*/ 2053704 h 2053704"/>
+              <a:gd name="connsiteX1" fmla="*/ 1705535 w 3574813"/>
+              <a:gd name="connsiteY1" fmla="*/ 750086 h 2053704"/>
+              <a:gd name="connsiteX2" fmla="*/ 2765069 w 3574813"/>
+              <a:gd name="connsiteY2" fmla="*/ 51334 h 2053704"/>
+              <a:gd name="connsiteX3" fmla="*/ 3574813 w 3574813"/>
+              <a:gd name="connsiteY3" fmla="*/ 17909 h 2053704"/>
+              <a:gd name="connsiteX0" fmla="*/ 0 w 3574813"/>
+              <a:gd name="connsiteY0" fmla="*/ 2112935 h 2112935"/>
+              <a:gd name="connsiteX1" fmla="*/ 1705535 w 3574813"/>
+              <a:gd name="connsiteY1" fmla="*/ 809317 h 2112935"/>
+              <a:gd name="connsiteX2" fmla="*/ 2889256 w 3574813"/>
+              <a:gd name="connsiteY2" fmla="*/ 17425 h 2112935"/>
+              <a:gd name="connsiteX3" fmla="*/ 3574813 w 3574813"/>
+              <a:gd name="connsiteY3" fmla="*/ 77140 h 2112935"/>
+              <a:gd name="connsiteX0" fmla="*/ 0 w 3574813"/>
+              <a:gd name="connsiteY0" fmla="*/ 2142894 h 2142894"/>
+              <a:gd name="connsiteX1" fmla="*/ 1705535 w 3574813"/>
+              <a:gd name="connsiteY1" fmla="*/ 839276 h 2142894"/>
+              <a:gd name="connsiteX2" fmla="*/ 2889256 w 3574813"/>
+              <a:gd name="connsiteY2" fmla="*/ 47384 h 2142894"/>
+              <a:gd name="connsiteX3" fmla="*/ 3574813 w 3574813"/>
+              <a:gd name="connsiteY3" fmla="*/ 107099 h 2142894"/>
+              <a:gd name="connsiteX0" fmla="*/ 0 w 3574813"/>
+              <a:gd name="connsiteY0" fmla="*/ 2142894 h 2142894"/>
+              <a:gd name="connsiteX1" fmla="*/ 1705535 w 3574813"/>
+              <a:gd name="connsiteY1" fmla="*/ 839276 h 2142894"/>
+              <a:gd name="connsiteX2" fmla="*/ 2889256 w 3574813"/>
+              <a:gd name="connsiteY2" fmla="*/ 47384 h 2142894"/>
+              <a:gd name="connsiteX3" fmla="*/ 3574813 w 3574813"/>
+              <a:gd name="connsiteY3" fmla="*/ 107099 h 2142894"/>
+              <a:gd name="connsiteX0" fmla="*/ 0 w 3574813"/>
+              <a:gd name="connsiteY0" fmla="*/ 2189467 h 2189467"/>
+              <a:gd name="connsiteX1" fmla="*/ 1705535 w 3574813"/>
+              <a:gd name="connsiteY1" fmla="*/ 885849 h 2189467"/>
+              <a:gd name="connsiteX2" fmla="*/ 2889256 w 3574813"/>
+              <a:gd name="connsiteY2" fmla="*/ 93957 h 2189467"/>
+              <a:gd name="connsiteX3" fmla="*/ 3574813 w 3574813"/>
+              <a:gd name="connsiteY3" fmla="*/ 37247 h 2189467"/>
+              <a:gd name="connsiteX0" fmla="*/ 0 w 3574813"/>
+              <a:gd name="connsiteY0" fmla="*/ 2175603 h 2175603"/>
+              <a:gd name="connsiteX1" fmla="*/ 1705535 w 3574813"/>
+              <a:gd name="connsiteY1" fmla="*/ 871985 h 2175603"/>
+              <a:gd name="connsiteX2" fmla="*/ 2889256 w 3574813"/>
+              <a:gd name="connsiteY2" fmla="*/ 80093 h 2175603"/>
+              <a:gd name="connsiteX3" fmla="*/ 3574813 w 3574813"/>
+              <a:gd name="connsiteY3" fmla="*/ 23383 h 2175603"/>
+              <a:gd name="connsiteX0" fmla="*/ 0 w 3574813"/>
+              <a:gd name="connsiteY0" fmla="*/ 2152613 h 2152613"/>
+              <a:gd name="connsiteX1" fmla="*/ 1705535 w 3574813"/>
+              <a:gd name="connsiteY1" fmla="*/ 848995 h 2152613"/>
+              <a:gd name="connsiteX2" fmla="*/ 2780593 w 3574813"/>
+              <a:gd name="connsiteY2" fmla="*/ 111434 h 2152613"/>
+              <a:gd name="connsiteX3" fmla="*/ 3574813 w 3574813"/>
+              <a:gd name="connsiteY3" fmla="*/ 393 h 2152613"/>
+              <a:gd name="connsiteX0" fmla="*/ 0 w 3574813"/>
+              <a:gd name="connsiteY0" fmla="*/ 2152613 h 2152613"/>
+              <a:gd name="connsiteX1" fmla="*/ 1705535 w 3574813"/>
+              <a:gd name="connsiteY1" fmla="*/ 848995 h 2152613"/>
+              <a:gd name="connsiteX2" fmla="*/ 2757308 w 3574813"/>
+              <a:gd name="connsiteY2" fmla="*/ 111434 h 2152613"/>
+              <a:gd name="connsiteX3" fmla="*/ 3574813 w 3574813"/>
+              <a:gd name="connsiteY3" fmla="*/ 393 h 2152613"/>
+              <a:gd name="connsiteX0" fmla="*/ 0 w 3574813"/>
+              <a:gd name="connsiteY0" fmla="*/ 2152220 h 2152220"/>
+              <a:gd name="connsiteX1" fmla="*/ 1705535 w 3574813"/>
+              <a:gd name="connsiteY1" fmla="*/ 848602 h 2152220"/>
+              <a:gd name="connsiteX2" fmla="*/ 3574813 w 3574813"/>
+              <a:gd name="connsiteY2" fmla="*/ 0 h 2152220"/>
+              <a:gd name="connsiteX0" fmla="*/ 0 w 3574813"/>
+              <a:gd name="connsiteY0" fmla="*/ 2152220 h 2152220"/>
+              <a:gd name="connsiteX1" fmla="*/ 1705535 w 3574813"/>
+              <a:gd name="connsiteY1" fmla="*/ 848602 h 2152220"/>
+              <a:gd name="connsiteX2" fmla="*/ 3574813 w 3574813"/>
+              <a:gd name="connsiteY2" fmla="*/ 0 h 2152220"/>
+              <a:gd name="connsiteX0" fmla="*/ 0 w 3574813"/>
+              <a:gd name="connsiteY0" fmla="*/ 2152220 h 2152220"/>
+              <a:gd name="connsiteX1" fmla="*/ 1705535 w 3574813"/>
+              <a:gd name="connsiteY1" fmla="*/ 848602 h 2152220"/>
+              <a:gd name="connsiteX2" fmla="*/ 3574813 w 3574813"/>
+              <a:gd name="connsiteY2" fmla="*/ 0 h 2152220"/>
+              <a:gd name="connsiteX0" fmla="*/ 0 w 3574813"/>
+              <a:gd name="connsiteY0" fmla="*/ 2152220 h 2152220"/>
+              <a:gd name="connsiteX1" fmla="*/ 1705535 w 3574813"/>
+              <a:gd name="connsiteY1" fmla="*/ 848602 h 2152220"/>
+              <a:gd name="connsiteX2" fmla="*/ 3574813 w 3574813"/>
+              <a:gd name="connsiteY2" fmla="*/ 0 h 2152220"/>
+              <a:gd name="connsiteX0" fmla="*/ 0 w 3574813"/>
+              <a:gd name="connsiteY0" fmla="*/ 2152220 h 2152220"/>
+              <a:gd name="connsiteX1" fmla="*/ 1705535 w 3574813"/>
+              <a:gd name="connsiteY1" fmla="*/ 848602 h 2152220"/>
+              <a:gd name="connsiteX2" fmla="*/ 3574813 w 3574813"/>
+              <a:gd name="connsiteY2" fmla="*/ 0 h 2152220"/>
+              <a:gd name="connsiteX0" fmla="*/ 0 w 3551528"/>
+              <a:gd name="connsiteY0" fmla="*/ 2284168 h 2284168"/>
+              <a:gd name="connsiteX1" fmla="*/ 1705535 w 3551528"/>
+              <a:gd name="connsiteY1" fmla="*/ 980550 h 2284168"/>
+              <a:gd name="connsiteX2" fmla="*/ 3551528 w 3551528"/>
+              <a:gd name="connsiteY2" fmla="*/ 0 h 2284168"/>
+              <a:gd name="connsiteX0" fmla="*/ 0 w 3551528"/>
+              <a:gd name="connsiteY0" fmla="*/ 2284168 h 2284168"/>
+              <a:gd name="connsiteX1" fmla="*/ 1705535 w 3551528"/>
+              <a:gd name="connsiteY1" fmla="*/ 980550 h 2284168"/>
+              <a:gd name="connsiteX2" fmla="*/ 3551528 w 3551528"/>
+              <a:gd name="connsiteY2" fmla="*/ 0 h 2284168"/>
+              <a:gd name="connsiteX0" fmla="*/ 0 w 3551528"/>
+              <a:gd name="connsiteY0" fmla="*/ 2284168 h 2284168"/>
+              <a:gd name="connsiteX1" fmla="*/ 1705535 w 3551528"/>
+              <a:gd name="connsiteY1" fmla="*/ 980550 h 2284168"/>
+              <a:gd name="connsiteX2" fmla="*/ 3551528 w 3551528"/>
+              <a:gd name="connsiteY2" fmla="*/ 0 h 2284168"/>
+              <a:gd name="connsiteX0" fmla="*/ 0 w 3551528"/>
+              <a:gd name="connsiteY0" fmla="*/ 2284168 h 2284168"/>
+              <a:gd name="connsiteX1" fmla="*/ 1705535 w 3551528"/>
+              <a:gd name="connsiteY1" fmla="*/ 980550 h 2284168"/>
+              <a:gd name="connsiteX2" fmla="*/ 3551528 w 3551528"/>
+              <a:gd name="connsiteY2" fmla="*/ 0 h 2284168"/>
+              <a:gd name="connsiteX0" fmla="*/ 0 w 3551528"/>
+              <a:gd name="connsiteY0" fmla="*/ 2284168 h 2284168"/>
+              <a:gd name="connsiteX1" fmla="*/ 1705535 w 3551528"/>
+              <a:gd name="connsiteY1" fmla="*/ 980550 h 2284168"/>
+              <a:gd name="connsiteX2" fmla="*/ 3551528 w 3551528"/>
+              <a:gd name="connsiteY2" fmla="*/ 0 h 2284168"/>
+              <a:gd name="connsiteX0" fmla="*/ 0 w 3551528"/>
+              <a:gd name="connsiteY0" fmla="*/ 2284168 h 2284168"/>
+              <a:gd name="connsiteX1" fmla="*/ 1705535 w 3551528"/>
+              <a:gd name="connsiteY1" fmla="*/ 980550 h 2284168"/>
+              <a:gd name="connsiteX2" fmla="*/ 3551528 w 3551528"/>
+              <a:gd name="connsiteY2" fmla="*/ 0 h 2284168"/>
+            </a:gdLst>
+            <a:ahLst/>
+            <a:cxnLst>
+              <a:cxn ang="0">
+                <a:pos x="connsiteX0" y="connsiteY0"/>
+              </a:cxn>
+              <a:cxn ang="0">
+                <a:pos x="connsiteX1" y="connsiteY1"/>
+              </a:cxn>
+              <a:cxn ang="0">
+                <a:pos x="connsiteX2" y="connsiteY2"/>
+              </a:cxn>
+            </a:cxnLst>
+            <a:rect l="l" t="t" r="r" b="b"/>
+            <a:pathLst>
+              <a:path w="3551528" h="2284168">
+                <a:moveTo>
+                  <a:pt x="0" y="2284168"/>
+                </a:moveTo>
+                <a:cubicBezTo>
+                  <a:pt x="1039159" y="2261507"/>
+                  <a:pt x="1447365" y="1532000"/>
+                  <a:pt x="1705535" y="980550"/>
+                </a:cubicBezTo>
+                <a:cubicBezTo>
+                  <a:pt x="1963705" y="429100"/>
+                  <a:pt x="2463546" y="29320"/>
+                  <a:pt x="3551528" y="0"/>
+                </a:cubicBezTo>
+              </a:path>
+            </a:pathLst>
+          </a:custGeom>
+          <a:noFill/>
+          <a:ln w="31750">
+            <a:solidFill>
+              <a:srgbClr val="C00000"/>
+            </a:solidFill>
+          </a:ln>
+        </p:spPr>
+        <p:style>
+          <a:lnRef idx="1">
+            <a:schemeClr val="accent1"/>
+          </a:lnRef>
+          <a:fillRef idx="0">
+            <a:schemeClr val="accent1"/>
+          </a:fillRef>
+          <a:effectRef idx="0">
+            <a:schemeClr val="accent1"/>
+          </a:effectRef>
+          <a:fontRef idx="minor">
+            <a:schemeClr val="tx1"/>
+          </a:fontRef>
+        </p:style>
+        <p:txBody>
+          <a:bodyPr rtlCol="0" anchor="ctr"/>
+          <a:lstStyle/>
+          <a:p>
+            <a:pPr algn="ctr"/>
+            <a:endParaRPr lang="en-US" dirty="0"/>
+          </a:p>
+        </p:txBody>
+      </p:sp>
+      <p:cxnSp>
+        <p:nvCxnSpPr>
           <p:cNvPr id="21" name="Straight Connector 20">
             <a:extLst>
               <a:ext uri="{FF2B5EF4-FFF2-40B4-BE49-F238E27FC236}">
@@ -3773,6 +4145,268 @@
               <a:t>Temperature</a:t>
             </a:r>
             <a:endParaRPr lang="en-GB" sz="800" dirty="0"/>
+          </a:p>
+        </p:txBody>
+      </p:sp>
+      <p:pic>
+        <p:nvPicPr>
+          <p:cNvPr id="32" name="Picture 31">
+            <a:extLst>
+              <a:ext uri="{FF2B5EF4-FFF2-40B4-BE49-F238E27FC236}">
+                <a16:creationId xmlns:a16="http://schemas.microsoft.com/office/drawing/2014/main" id="{71D72172-A00F-7777-810E-12A92F4FC31A}"/>
+              </a:ext>
+            </a:extLst>
+          </p:cNvPr>
+          <p:cNvPicPr>
+            <a:picLocks noChangeAspect="1"/>
+          </p:cNvPicPr>
+          <p:nvPr/>
+        </p:nvPicPr>
+        <p:blipFill>
+          <a:blip r:embed="rId3"/>
+          <a:stretch>
+            <a:fillRect/>
+          </a:stretch>
+        </p:blipFill>
+        <p:spPr>
+          <a:xfrm>
+            <a:off x="208642" y="2546524"/>
+            <a:ext cx="2949265" cy="2436911"/>
+          </a:xfrm>
+          <a:prstGeom prst="rect">
+            <a:avLst/>
+          </a:prstGeom>
+        </p:spPr>
+      </p:pic>
+      <p:sp>
+        <p:nvSpPr>
+          <p:cNvPr id="55" name="TextBox 54">
+            <a:extLst>
+              <a:ext uri="{FF2B5EF4-FFF2-40B4-BE49-F238E27FC236}">
+                <a16:creationId xmlns:a16="http://schemas.microsoft.com/office/drawing/2014/main" id="{F34BB352-EEDB-97CF-BE61-C07DD1410FF7}"/>
+              </a:ext>
+            </a:extLst>
+          </p:cNvPr>
+          <p:cNvSpPr txBox="1"/>
+          <p:nvPr/>
+        </p:nvSpPr>
+        <p:spPr>
+          <a:xfrm>
+            <a:off x="3824651" y="3740214"/>
+            <a:ext cx="1260000" cy="215444"/>
+          </a:xfrm>
+          <a:prstGeom prst="rect">
+            <a:avLst/>
+          </a:prstGeom>
+          <a:noFill/>
+        </p:spPr>
+        <p:txBody>
+          <a:bodyPr wrap="square" rtlCol="0">
+            <a:spAutoFit/>
+          </a:bodyPr>
+          <a:lstStyle/>
+          <a:p>
+            <a:pPr algn="ctr"/>
+            <a:r>
+              <a:rPr lang="en-US" sz="800" b="1" dirty="0">
+                <a:solidFill>
+                  <a:srgbClr val="C00000"/>
+                </a:solidFill>
+              </a:rPr>
+              <a:t>M</a:t>
+            </a:r>
+            <a:endParaRPr lang="en-GB" sz="800" b="1" dirty="0">
+              <a:solidFill>
+                <a:srgbClr val="C00000"/>
+              </a:solidFill>
+            </a:endParaRPr>
+          </a:p>
+        </p:txBody>
+      </p:sp>
+      <p:sp>
+        <p:nvSpPr>
+          <p:cNvPr id="56" name="TextBox 55">
+            <a:extLst>
+              <a:ext uri="{FF2B5EF4-FFF2-40B4-BE49-F238E27FC236}">
+                <a16:creationId xmlns:a16="http://schemas.microsoft.com/office/drawing/2014/main" id="{1DE5611F-D1FA-4DB5-A306-4AB7160E9E79}"/>
+              </a:ext>
+            </a:extLst>
+          </p:cNvPr>
+          <p:cNvSpPr txBox="1"/>
+          <p:nvPr/>
+        </p:nvSpPr>
+        <p:spPr>
+          <a:xfrm>
+            <a:off x="3149837" y="2450543"/>
+            <a:ext cx="1260000" cy="215444"/>
+          </a:xfrm>
+          <a:prstGeom prst="rect">
+            <a:avLst/>
+          </a:prstGeom>
+          <a:noFill/>
+        </p:spPr>
+        <p:txBody>
+          <a:bodyPr wrap="square" rtlCol="0">
+            <a:spAutoFit/>
+          </a:bodyPr>
+          <a:lstStyle/>
+          <a:p>
+            <a:pPr algn="ctr"/>
+            <a:r>
+              <a:rPr lang="en-US" sz="800" b="1" dirty="0">
+                <a:solidFill>
+                  <a:srgbClr val="C00000"/>
+                </a:solidFill>
+              </a:rPr>
+              <a:t>K</a:t>
+            </a:r>
+            <a:endParaRPr lang="en-GB" sz="800" b="1" dirty="0">
+              <a:solidFill>
+                <a:srgbClr val="C00000"/>
+              </a:solidFill>
+            </a:endParaRPr>
+          </a:p>
+        </p:txBody>
+      </p:sp>
+      <p:sp>
+        <p:nvSpPr>
+          <p:cNvPr id="57" name="TextBox 56">
+            <a:extLst>
+              <a:ext uri="{FF2B5EF4-FFF2-40B4-BE49-F238E27FC236}">
+                <a16:creationId xmlns:a16="http://schemas.microsoft.com/office/drawing/2014/main" id="{3A72BC6A-FFF7-BAC9-8110-78C40EAF63F3}"/>
+              </a:ext>
+            </a:extLst>
+          </p:cNvPr>
+          <p:cNvSpPr txBox="1"/>
+          <p:nvPr/>
+        </p:nvSpPr>
+        <p:spPr>
+          <a:xfrm>
+            <a:off x="4435180" y="3357992"/>
+            <a:ext cx="1260000" cy="215444"/>
+          </a:xfrm>
+          <a:prstGeom prst="rect">
+            <a:avLst/>
+          </a:prstGeom>
+          <a:noFill/>
+        </p:spPr>
+        <p:txBody>
+          <a:bodyPr wrap="square" rtlCol="0">
+            <a:spAutoFit/>
+          </a:bodyPr>
+          <a:lstStyle/>
+          <a:p>
+            <a:pPr algn="ctr"/>
+            <a:r>
+              <a:rPr lang="en-US" sz="800" b="1" dirty="0">
+                <a:solidFill>
+                  <a:srgbClr val="C00000"/>
+                </a:solidFill>
+              </a:rPr>
+              <a:t>A</a:t>
+            </a:r>
+            <a:endParaRPr lang="en-GB" sz="800" b="1" dirty="0">
+              <a:solidFill>
+                <a:srgbClr val="C00000"/>
+              </a:solidFill>
+            </a:endParaRPr>
+          </a:p>
+        </p:txBody>
+      </p:sp>
+      <p:sp>
+        <p:nvSpPr>
+          <p:cNvPr id="58" name="TextBox 57">
+            <a:extLst>
+              <a:ext uri="{FF2B5EF4-FFF2-40B4-BE49-F238E27FC236}">
+                <a16:creationId xmlns:a16="http://schemas.microsoft.com/office/drawing/2014/main" id="{6E8950FD-1D67-0A92-1989-1CBDDEA29C6A}"/>
+              </a:ext>
+            </a:extLst>
+          </p:cNvPr>
+          <p:cNvSpPr txBox="1"/>
+          <p:nvPr/>
+        </p:nvSpPr>
+        <p:spPr>
+          <a:xfrm>
+            <a:off x="3821350" y="2195727"/>
+            <a:ext cx="1260000" cy="215444"/>
+          </a:xfrm>
+          <a:prstGeom prst="rect">
+            <a:avLst/>
+          </a:prstGeom>
+          <a:noFill/>
+        </p:spPr>
+        <p:txBody>
+          <a:bodyPr wrap="square" rtlCol="0">
+            <a:spAutoFit/>
+          </a:bodyPr>
+          <a:lstStyle/>
+          <a:p>
+            <a:pPr algn="ctr"/>
+            <a:r>
+              <a:rPr lang="en-US" sz="800" b="1" dirty="0">
+                <a:solidFill>
+                  <a:srgbClr val="C00000"/>
+                </a:solidFill>
+              </a:rPr>
+              <a:t>B</a:t>
+            </a:r>
+            <a:endParaRPr lang="en-GB" sz="800" b="1" dirty="0">
+              <a:solidFill>
+                <a:srgbClr val="C00000"/>
+              </a:solidFill>
+            </a:endParaRPr>
+          </a:p>
+        </p:txBody>
+      </p:sp>
+      <p:sp>
+        <p:nvSpPr>
+          <p:cNvPr id="60" name="Left Brace 59">
+            <a:extLst>
+              <a:ext uri="{FF2B5EF4-FFF2-40B4-BE49-F238E27FC236}">
+                <a16:creationId xmlns:a16="http://schemas.microsoft.com/office/drawing/2014/main" id="{15005DCD-F567-B57A-7182-08B98B2A47AA}"/>
+              </a:ext>
+            </a:extLst>
+          </p:cNvPr>
+          <p:cNvSpPr/>
+          <p:nvPr/>
+        </p:nvSpPr>
+        <p:spPr>
+          <a:xfrm rot="5400000">
+            <a:off x="4397989" y="1948520"/>
+            <a:ext cx="99782" cy="962400"/>
+          </a:xfrm>
+          <a:prstGeom prst="leftBrace">
+            <a:avLst/>
+          </a:prstGeom>
+          <a:solidFill>
+            <a:schemeClr val="bg1"/>
+          </a:solidFill>
+          <a:ln w="12700">
+            <a:solidFill>
+              <a:schemeClr val="tx1"/>
+            </a:solidFill>
+          </a:ln>
+        </p:spPr>
+        <p:style>
+          <a:lnRef idx="1">
+            <a:schemeClr val="accent1"/>
+          </a:lnRef>
+          <a:fillRef idx="0">
+            <a:schemeClr val="accent1"/>
+          </a:fillRef>
+          <a:effectRef idx="0">
+            <a:schemeClr val="accent1"/>
+          </a:effectRef>
+          <a:fontRef idx="minor">
+            <a:schemeClr val="tx1"/>
+          </a:fontRef>
+        </p:style>
+        <p:txBody>
+          <a:bodyPr rtlCol="0" anchor="ctr"/>
+          <a:lstStyle/>
+          <a:p>
+            <a:pPr algn="ctr"/>
+            <a:endParaRPr lang="en-GB"/>
           </a:p>
         </p:txBody>
       </p:sp>

--- a/figures/fig_2.pptx
+++ b/figures/fig_2.pptx
@@ -104,6 +104,11 @@
       </a:defRPr>
     </a:lvl9pPr>
   </p:defaultTextStyle>
+  <p:extLst>
+    <p:ext uri="{EFAFB233-063F-42B5-8137-9DF3F51BA10A}">
+      <p15:sldGuideLst xmlns:p15="http://schemas.microsoft.com/office/powerpoint/2012/main"/>
+    </p:ext>
+  </p:extLst>
 </p:presentation>
 </file>
 
@@ -2977,13 +2982,14 @@
           </p:cNvPr>
           <p:cNvCxnSpPr>
             <a:cxnSpLocks/>
+            <a:stCxn id="48" idx="1"/>
           </p:cNvCxnSpPr>
           <p:nvPr/>
         </p:nvCxnSpPr>
         <p:spPr>
-          <a:xfrm>
-            <a:off x="4445000" y="2479611"/>
-            <a:ext cx="9651" cy="1285369"/>
+          <a:xfrm flipH="1">
+            <a:off x="4601293" y="1565649"/>
+            <a:ext cx="506" cy="832559"/>
           </a:xfrm>
           <a:prstGeom prst="line">
             <a:avLst/>
@@ -3024,7 +3030,7 @@
         </p:nvSpPr>
         <p:spPr>
           <a:xfrm flipH="1">
-            <a:off x="3930060" y="2526515"/>
+            <a:off x="4076702" y="1159743"/>
             <a:ext cx="1010240" cy="945549"/>
           </a:xfrm>
           <a:custGeom>
@@ -3981,7 +3987,7 @@
         </p:nvGrpSpPr>
         <p:grpSpPr>
           <a:xfrm>
-            <a:off x="3914651" y="2447861"/>
+            <a:off x="4061293" y="1081089"/>
             <a:ext cx="1080000" cy="1080000"/>
             <a:chOff x="3914651" y="2447861"/>
             <a:chExt cx="1080000" cy="1080000"/>
@@ -4088,7 +4094,7 @@
         </p:nvSpPr>
         <p:spPr>
           <a:xfrm>
-            <a:off x="3824651" y="3517786"/>
+            <a:off x="3971293" y="2151014"/>
             <a:ext cx="1260000" cy="215444"/>
           </a:xfrm>
           <a:prstGeom prst="rect">
@@ -4125,7 +4131,7 @@
         </p:nvSpPr>
         <p:spPr>
           <a:xfrm rot="16200000">
-            <a:off x="3086928" y="2859531"/>
+            <a:off x="3233570" y="1492759"/>
             <a:ext cx="1260000" cy="215444"/>
           </a:xfrm>
           <a:prstGeom prst="rect">
@@ -4170,8 +4176,8 @@
         </p:blipFill>
         <p:spPr>
           <a:xfrm>
-            <a:off x="208642" y="2546524"/>
-            <a:ext cx="2949265" cy="2436911"/>
+            <a:off x="203222" y="2411171"/>
+            <a:ext cx="2582352" cy="2133739"/>
           </a:xfrm>
           <a:prstGeom prst="rect">
             <a:avLst/>
@@ -4192,7 +4198,7 @@
         </p:nvSpPr>
         <p:spPr>
           <a:xfrm>
-            <a:off x="3824651" y="3740214"/>
+            <a:off x="3971293" y="2373442"/>
             <a:ext cx="1260000" cy="215444"/>
           </a:xfrm>
           <a:prstGeom prst="rect">
@@ -4237,7 +4243,7 @@
         </p:nvSpPr>
         <p:spPr>
           <a:xfrm>
-            <a:off x="3149837" y="2450543"/>
+            <a:off x="3296479" y="1044859"/>
             <a:ext cx="1260000" cy="215444"/>
           </a:xfrm>
           <a:prstGeom prst="rect">
@@ -4282,7 +4288,7 @@
         </p:nvSpPr>
         <p:spPr>
           <a:xfrm>
-            <a:off x="4435180" y="3357992"/>
+            <a:off x="4581822" y="1991220"/>
             <a:ext cx="1260000" cy="215444"/>
           </a:xfrm>
           <a:prstGeom prst="rect">
@@ -4327,7 +4333,7 @@
         </p:nvSpPr>
         <p:spPr>
           <a:xfrm>
-            <a:off x="3821350" y="2195727"/>
+            <a:off x="3967992" y="828955"/>
             <a:ext cx="1260000" cy="215444"/>
           </a:xfrm>
           <a:prstGeom prst="rect">
@@ -4372,7 +4378,7 @@
         </p:nvSpPr>
         <p:spPr>
           <a:xfrm rot="5400000">
-            <a:off x="4397989" y="1948520"/>
+            <a:off x="4544631" y="581748"/>
             <a:ext cx="99782" cy="962400"/>
           </a:xfrm>
           <a:prstGeom prst="leftBrace">

--- a/figures/fig_2.pptx
+++ b/figures/fig_2.pptx
@@ -6,6 +6,7 @@
   </p:sldMasterIdLst>
   <p:sldIdLst>
     <p:sldId id="256" r:id="rId2"/>
+    <p:sldId id="257" r:id="rId3"/>
   </p:sldIdLst>
   <p:sldSz cx="7559675" cy="5327650"/>
   <p:notesSz cx="6858000" cy="9144000"/>
@@ -243,7 +244,7 @@
           <a:p>
             <a:fld id="{AB6F469A-41BA-ED4F-8DB3-DB1B415680DE}" type="datetimeFigureOut">
               <a:rPr lang="en-GB" smtClean="0"/>
-              <a:t>10/08/2022</a:t>
+              <a:t>29/11/2022</a:t>
             </a:fld>
             <a:endParaRPr lang="en-GB"/>
           </a:p>
@@ -413,7 +414,7 @@
           <a:p>
             <a:fld id="{AB6F469A-41BA-ED4F-8DB3-DB1B415680DE}" type="datetimeFigureOut">
               <a:rPr lang="en-GB" smtClean="0"/>
-              <a:t>10/08/2022</a:t>
+              <a:t>29/11/2022</a:t>
             </a:fld>
             <a:endParaRPr lang="en-GB"/>
           </a:p>
@@ -593,7 +594,7 @@
           <a:p>
             <a:fld id="{AB6F469A-41BA-ED4F-8DB3-DB1B415680DE}" type="datetimeFigureOut">
               <a:rPr lang="en-GB" smtClean="0"/>
-              <a:t>10/08/2022</a:t>
+              <a:t>29/11/2022</a:t>
             </a:fld>
             <a:endParaRPr lang="en-GB"/>
           </a:p>
@@ -763,7 +764,7 @@
           <a:p>
             <a:fld id="{AB6F469A-41BA-ED4F-8DB3-DB1B415680DE}" type="datetimeFigureOut">
               <a:rPr lang="en-GB" smtClean="0"/>
-              <a:t>10/08/2022</a:t>
+              <a:t>29/11/2022</a:t>
             </a:fld>
             <a:endParaRPr lang="en-GB"/>
           </a:p>
@@ -1007,7 +1008,7 @@
           <a:p>
             <a:fld id="{AB6F469A-41BA-ED4F-8DB3-DB1B415680DE}" type="datetimeFigureOut">
               <a:rPr lang="en-GB" smtClean="0"/>
-              <a:t>10/08/2022</a:t>
+              <a:t>29/11/2022</a:t>
             </a:fld>
             <a:endParaRPr lang="en-GB"/>
           </a:p>
@@ -1239,7 +1240,7 @@
           <a:p>
             <a:fld id="{AB6F469A-41BA-ED4F-8DB3-DB1B415680DE}" type="datetimeFigureOut">
               <a:rPr lang="en-GB" smtClean="0"/>
-              <a:t>10/08/2022</a:t>
+              <a:t>29/11/2022</a:t>
             </a:fld>
             <a:endParaRPr lang="en-GB"/>
           </a:p>
@@ -1606,7 +1607,7 @@
           <a:p>
             <a:fld id="{AB6F469A-41BA-ED4F-8DB3-DB1B415680DE}" type="datetimeFigureOut">
               <a:rPr lang="en-GB" smtClean="0"/>
-              <a:t>10/08/2022</a:t>
+              <a:t>29/11/2022</a:t>
             </a:fld>
             <a:endParaRPr lang="en-GB"/>
           </a:p>
@@ -1724,7 +1725,7 @@
           <a:p>
             <a:fld id="{AB6F469A-41BA-ED4F-8DB3-DB1B415680DE}" type="datetimeFigureOut">
               <a:rPr lang="en-GB" smtClean="0"/>
-              <a:t>10/08/2022</a:t>
+              <a:t>29/11/2022</a:t>
             </a:fld>
             <a:endParaRPr lang="en-GB"/>
           </a:p>
@@ -1819,7 +1820,7 @@
           <a:p>
             <a:fld id="{AB6F469A-41BA-ED4F-8DB3-DB1B415680DE}" type="datetimeFigureOut">
               <a:rPr lang="en-GB" smtClean="0"/>
-              <a:t>10/08/2022</a:t>
+              <a:t>29/11/2022</a:t>
             </a:fld>
             <a:endParaRPr lang="en-GB"/>
           </a:p>
@@ -2096,7 +2097,7 @@
           <a:p>
             <a:fld id="{AB6F469A-41BA-ED4F-8DB3-DB1B415680DE}" type="datetimeFigureOut">
               <a:rPr lang="en-GB" smtClean="0"/>
-              <a:t>10/08/2022</a:t>
+              <a:t>29/11/2022</a:t>
             </a:fld>
             <a:endParaRPr lang="en-GB"/>
           </a:p>
@@ -2353,7 +2354,7 @@
           <a:p>
             <a:fld id="{AB6F469A-41BA-ED4F-8DB3-DB1B415680DE}" type="datetimeFigureOut">
               <a:rPr lang="en-GB" smtClean="0"/>
-              <a:t>10/08/2022</a:t>
+              <a:t>29/11/2022</a:t>
             </a:fld>
             <a:endParaRPr lang="en-GB"/>
           </a:p>
@@ -2566,7 +2567,7 @@
           <a:p>
             <a:fld id="{AB6F469A-41BA-ED4F-8DB3-DB1B415680DE}" type="datetimeFigureOut">
               <a:rPr lang="en-GB" smtClean="0"/>
-              <a:t>10/08/2022</a:t>
+              <a:t>29/11/2022</a:t>
             </a:fld>
             <a:endParaRPr lang="en-GB"/>
           </a:p>
@@ -4429,6 +4430,3777 @@
 </p:sld>
 </file>
 
+<file path=ppt/slides/slide2.xml><?xml version="1.0" encoding="utf-8"?>
+<p:sld xmlns:a="http://schemas.openxmlformats.org/drawingml/2006/main" xmlns:r="http://schemas.openxmlformats.org/officeDocument/2006/relationships" xmlns:p="http://schemas.openxmlformats.org/presentationml/2006/main">
+  <p:cSld>
+    <p:spTree>
+      <p:nvGrpSpPr>
+        <p:cNvPr id="1" name=""/>
+        <p:cNvGrpSpPr/>
+        <p:nvPr/>
+      </p:nvGrpSpPr>
+      <p:grpSpPr>
+        <a:xfrm>
+          <a:off x="0" y="0"/>
+          <a:ext cx="0" cy="0"/>
+          <a:chOff x="0" y="0"/>
+          <a:chExt cx="0" cy="0"/>
+        </a:xfrm>
+      </p:grpSpPr>
+      <p:pic>
+        <p:nvPicPr>
+          <p:cNvPr id="52" name="Picture 51">
+            <a:extLst>
+              <a:ext uri="{FF2B5EF4-FFF2-40B4-BE49-F238E27FC236}">
+                <a16:creationId xmlns:a16="http://schemas.microsoft.com/office/drawing/2014/main" id="{6311842D-7684-4C8C-A44D-26FE71369B1A}"/>
+              </a:ext>
+            </a:extLst>
+          </p:cNvPr>
+          <p:cNvPicPr>
+            <a:picLocks noChangeAspect="1"/>
+          </p:cNvPicPr>
+          <p:nvPr/>
+        </p:nvPicPr>
+        <p:blipFill rotWithShape="1">
+          <a:blip r:embed="rId2"/>
+          <a:srcRect b="13836"/>
+          <a:stretch/>
+        </p:blipFill>
+        <p:spPr>
+          <a:xfrm>
+            <a:off x="2720855" y="3335782"/>
+            <a:ext cx="1384869" cy="1021561"/>
+          </a:xfrm>
+          <a:prstGeom prst="rect">
+            <a:avLst/>
+          </a:prstGeom>
+        </p:spPr>
+      </p:pic>
+      <p:pic>
+        <p:nvPicPr>
+          <p:cNvPr id="51" name="Picture 50">
+            <a:extLst>
+              <a:ext uri="{FF2B5EF4-FFF2-40B4-BE49-F238E27FC236}">
+                <a16:creationId xmlns:a16="http://schemas.microsoft.com/office/drawing/2014/main" id="{5918AAA0-4610-42B0-8860-57918562E34C}"/>
+              </a:ext>
+            </a:extLst>
+          </p:cNvPr>
+          <p:cNvPicPr>
+            <a:picLocks noChangeAspect="1"/>
+          </p:cNvPicPr>
+          <p:nvPr/>
+        </p:nvPicPr>
+        <p:blipFill rotWithShape="1">
+          <a:blip r:embed="rId2"/>
+          <a:srcRect b="17985"/>
+          <a:stretch/>
+        </p:blipFill>
+        <p:spPr>
+          <a:xfrm>
+            <a:off x="2720855" y="2333866"/>
+            <a:ext cx="1384869" cy="972377"/>
+          </a:xfrm>
+          <a:prstGeom prst="rect">
+            <a:avLst/>
+          </a:prstGeom>
+        </p:spPr>
+      </p:pic>
+      <p:pic>
+        <p:nvPicPr>
+          <p:cNvPr id="4" name="Picture 3">
+            <a:extLst>
+              <a:ext uri="{FF2B5EF4-FFF2-40B4-BE49-F238E27FC236}">
+                <a16:creationId xmlns:a16="http://schemas.microsoft.com/office/drawing/2014/main" id="{20A2B1F5-950D-4A74-AA69-205F6112B997}"/>
+              </a:ext>
+            </a:extLst>
+          </p:cNvPr>
+          <p:cNvPicPr>
+            <a:picLocks noChangeAspect="1"/>
+          </p:cNvPicPr>
+          <p:nvPr/>
+        </p:nvPicPr>
+        <p:blipFill rotWithShape="1">
+          <a:blip r:embed="rId3"/>
+          <a:srcRect r="49390" b="48727"/>
+          <a:stretch/>
+        </p:blipFill>
+        <p:spPr>
+          <a:xfrm>
+            <a:off x="3891029" y="-6120"/>
+            <a:ext cx="1001312" cy="838201"/>
+          </a:xfrm>
+          <a:prstGeom prst="rect">
+            <a:avLst/>
+          </a:prstGeom>
+        </p:spPr>
+      </p:pic>
+      <p:pic>
+        <p:nvPicPr>
+          <p:cNvPr id="5" name="Picture 4">
+            <a:extLst>
+              <a:ext uri="{FF2B5EF4-FFF2-40B4-BE49-F238E27FC236}">
+                <a16:creationId xmlns:a16="http://schemas.microsoft.com/office/drawing/2014/main" id="{47EA60CA-A0DC-4689-BD92-48D124034AEE}"/>
+              </a:ext>
+            </a:extLst>
+          </p:cNvPr>
+          <p:cNvPicPr>
+            <a:picLocks noChangeAspect="1"/>
+          </p:cNvPicPr>
+          <p:nvPr/>
+        </p:nvPicPr>
+        <p:blipFill rotWithShape="1">
+          <a:blip r:embed="rId3"/>
+          <a:srcRect l="50206" t="-1273" r="-816" b="50000"/>
+          <a:stretch/>
+        </p:blipFill>
+        <p:spPr>
+          <a:xfrm>
+            <a:off x="2793119" y="-47278"/>
+            <a:ext cx="1001312" cy="838201"/>
+          </a:xfrm>
+          <a:prstGeom prst="rect">
+            <a:avLst/>
+          </a:prstGeom>
+        </p:spPr>
+      </p:pic>
+      <p:pic>
+        <p:nvPicPr>
+          <p:cNvPr id="6" name="Picture 5">
+            <a:extLst>
+              <a:ext uri="{FF2B5EF4-FFF2-40B4-BE49-F238E27FC236}">
+                <a16:creationId xmlns:a16="http://schemas.microsoft.com/office/drawing/2014/main" id="{52985F8D-E19D-4CB4-8FF0-DFA0C6755A5C}"/>
+              </a:ext>
+            </a:extLst>
+          </p:cNvPr>
+          <p:cNvPicPr>
+            <a:picLocks noChangeAspect="1"/>
+          </p:cNvPicPr>
+          <p:nvPr/>
+        </p:nvPicPr>
+        <p:blipFill rotWithShape="1">
+          <a:blip r:embed="rId3"/>
+          <a:srcRect t="48727" r="49390"/>
+          <a:stretch/>
+        </p:blipFill>
+        <p:spPr>
+          <a:xfrm>
+            <a:off x="2835630" y="676615"/>
+            <a:ext cx="1001312" cy="838201"/>
+          </a:xfrm>
+          <a:prstGeom prst="rect">
+            <a:avLst/>
+          </a:prstGeom>
+        </p:spPr>
+      </p:pic>
+      <p:pic>
+        <p:nvPicPr>
+          <p:cNvPr id="7" name="Picture 6">
+            <a:extLst>
+              <a:ext uri="{FF2B5EF4-FFF2-40B4-BE49-F238E27FC236}">
+                <a16:creationId xmlns:a16="http://schemas.microsoft.com/office/drawing/2014/main" id="{3C744452-13E9-43F4-9C73-AE24EEAF24D4}"/>
+              </a:ext>
+            </a:extLst>
+          </p:cNvPr>
+          <p:cNvPicPr>
+            <a:picLocks noChangeAspect="1"/>
+          </p:cNvPicPr>
+          <p:nvPr/>
+        </p:nvPicPr>
+        <p:blipFill rotWithShape="1">
+          <a:blip r:embed="rId3"/>
+          <a:srcRect l="50000" t="50000" r="-610" b="-1273"/>
+          <a:stretch/>
+        </p:blipFill>
+        <p:spPr>
+          <a:xfrm>
+            <a:off x="3869966" y="740593"/>
+            <a:ext cx="1001312" cy="838201"/>
+          </a:xfrm>
+          <a:prstGeom prst="rect">
+            <a:avLst/>
+          </a:prstGeom>
+        </p:spPr>
+      </p:pic>
+      <mc:AlternateContent xmlns:mc="http://schemas.openxmlformats.org/markup-compatibility/2006">
+        <mc:Choice xmlns:a14="http://schemas.microsoft.com/office/drawing/2010/main" Requires="a14">
+          <p:sp>
+            <p:nvSpPr>
+              <p:cNvPr id="9" name="TextBox 8">
+                <a:extLst>
+                  <a:ext uri="{FF2B5EF4-FFF2-40B4-BE49-F238E27FC236}">
+                    <a16:creationId xmlns:a16="http://schemas.microsoft.com/office/drawing/2014/main" id="{28A7F6E5-E1F6-4D9B-B83E-CBEEFC13BC34}"/>
+                  </a:ext>
+                </a:extLst>
+              </p:cNvPr>
+              <p:cNvSpPr txBox="1"/>
+              <p:nvPr/>
+            </p:nvSpPr>
+            <p:spPr>
+              <a:xfrm>
+                <a:off x="2727447" y="1858093"/>
+                <a:ext cx="3069962" cy="445635"/>
+              </a:xfrm>
+              <a:prstGeom prst="rect">
+                <a:avLst/>
+              </a:prstGeom>
+              <a:noFill/>
+            </p:spPr>
+            <p:txBody>
+              <a:bodyPr wrap="square">
+                <a:spAutoFit/>
+              </a:bodyPr>
+              <a:lstStyle/>
+              <a:p>
+                <a:pPr/>
+                <a14:m>
+                  <m:oMathPara xmlns:m="http://schemas.openxmlformats.org/officeDocument/2006/math">
+                    <m:oMathParaPr>
+                      <m:jc m:val="centerGroup"/>
+                    </m:oMathParaPr>
+                    <m:oMath xmlns:m="http://schemas.openxmlformats.org/officeDocument/2006/math">
+                      <m:r>
+                        <a:rPr lang="en-GB" sz="1100" b="1" i="1" smtClean="0">
+                          <a:solidFill>
+                            <a:srgbClr val="4472C4"/>
+                          </a:solidFill>
+                          <a:latin typeface="Cambria Math" panose="02040503050406030204" pitchFamily="18" charset="0"/>
+                        </a:rPr>
+                        <m:t>𝑨</m:t>
+                      </m:r>
+                      <m:r>
+                        <a:rPr lang="en-GB" sz="1100" i="0">
+                          <a:latin typeface="Cambria Math" panose="02040503050406030204" pitchFamily="18" charset="0"/>
+                        </a:rPr>
+                        <m:t> +</m:t>
+                      </m:r>
+                      <m:f>
+                        <m:fPr>
+                          <m:ctrlPr>
+                            <a:rPr lang="en-GB" sz="1100" i="1">
+                              <a:solidFill>
+                                <a:srgbClr val="836967"/>
+                              </a:solidFill>
+                              <a:latin typeface="Cambria Math" panose="02040503050406030204" pitchFamily="18" charset="0"/>
+                            </a:rPr>
+                          </m:ctrlPr>
+                        </m:fPr>
+                        <m:num>
+                          <m:r>
+                            <a:rPr lang="en-GB" sz="1100" b="1" i="1" smtClean="0">
+                              <a:solidFill>
+                                <a:srgbClr val="C00000"/>
+                              </a:solidFill>
+                              <a:latin typeface="Cambria Math" panose="02040503050406030204" pitchFamily="18" charset="0"/>
+                            </a:rPr>
+                            <m:t>𝑲</m:t>
+                          </m:r>
+                          <m:r>
+                            <a:rPr lang="en-GB" sz="1100" i="0">
+                              <a:latin typeface="Cambria Math" panose="02040503050406030204" pitchFamily="18" charset="0"/>
+                            </a:rPr>
+                            <m:t>−</m:t>
+                          </m:r>
+                          <m:r>
+                            <a:rPr lang="en-GB" sz="1100" b="1" i="1" smtClean="0">
+                              <a:solidFill>
+                                <a:srgbClr val="4472C4"/>
+                              </a:solidFill>
+                              <a:latin typeface="Cambria Math" panose="02040503050406030204" pitchFamily="18" charset="0"/>
+                            </a:rPr>
+                            <m:t>𝑨</m:t>
+                          </m:r>
+                        </m:num>
+                        <m:den>
+                          <m:sSup>
+                            <m:sSupPr>
+                              <m:ctrlPr>
+                                <a:rPr lang="en-GB" sz="1100" i="1">
+                                  <a:solidFill>
+                                    <a:srgbClr val="836967"/>
+                                  </a:solidFill>
+                                  <a:latin typeface="Cambria Math" panose="02040503050406030204" pitchFamily="18" charset="0"/>
+                                </a:rPr>
+                              </m:ctrlPr>
+                            </m:sSupPr>
+                            <m:e>
+                              <m:r>
+                                <a:rPr lang="en-GB" sz="1100" i="1">
+                                  <a:latin typeface="Cambria Math" panose="02040503050406030204" pitchFamily="18" charset="0"/>
+                                </a:rPr>
+                                <m:t>𝑒</m:t>
+                              </m:r>
+                            </m:e>
+                            <m:sup>
+                              <m:r>
+                                <a:rPr lang="en-GB" sz="1100" b="1" i="1" smtClean="0">
+                                  <a:solidFill>
+                                    <a:srgbClr val="00B050"/>
+                                  </a:solidFill>
+                                  <a:latin typeface="Cambria Math" panose="02040503050406030204" pitchFamily="18" charset="0"/>
+                                </a:rPr>
+                                <m:t>𝑩</m:t>
+                              </m:r>
+                              <m:d>
+                                <m:dPr>
+                                  <m:ctrlPr>
+                                    <a:rPr lang="en-GB" sz="1100" i="1" smtClean="0">
+                                      <a:solidFill>
+                                        <a:srgbClr val="836967"/>
+                                      </a:solidFill>
+                                      <a:latin typeface="Cambria Math" panose="02040503050406030204" pitchFamily="18" charset="0"/>
+                                    </a:rPr>
+                                  </m:ctrlPr>
+                                </m:dPr>
+                                <m:e>
+                                  <m:r>
+                                    <a:rPr lang="en-GB" sz="1100" i="1" smtClean="0">
+                                      <a:latin typeface="Cambria Math" panose="02040503050406030204" pitchFamily="18" charset="0"/>
+                                    </a:rPr>
+                                    <m:t>𝑎𝑏𝑠</m:t>
+                                  </m:r>
+                                  <m:d>
+                                    <m:dPr>
+                                      <m:ctrlPr>
+                                        <a:rPr lang="en-GB" sz="1100" i="1" smtClean="0">
+                                          <a:solidFill>
+                                            <a:srgbClr val="836967"/>
+                                          </a:solidFill>
+                                          <a:latin typeface="Cambria Math" panose="02040503050406030204" pitchFamily="18" charset="0"/>
+                                        </a:rPr>
+                                      </m:ctrlPr>
+                                    </m:dPr>
+                                    <m:e>
+                                      <m:sSub>
+                                        <m:sSubPr>
+                                          <m:ctrlPr>
+                                            <a:rPr lang="en-GB" sz="1100" i="1">
+                                              <a:solidFill>
+                                                <a:srgbClr val="836967"/>
+                                              </a:solidFill>
+                                              <a:latin typeface="Cambria Math" panose="02040503050406030204" pitchFamily="18" charset="0"/>
+                                            </a:rPr>
+                                          </m:ctrlPr>
+                                        </m:sSubPr>
+                                        <m:e>
+                                          <m:r>
+                                            <a:rPr lang="en-GB" sz="1100" i="1">
+                                              <a:latin typeface="Cambria Math" panose="02040503050406030204" pitchFamily="18" charset="0"/>
+                                            </a:rPr>
+                                            <m:t>𝑙</m:t>
+                                          </m:r>
+                                          <m:r>
+                                            <a:rPr lang="en-GB" sz="1100" b="0" i="1" smtClean="0">
+                                              <a:latin typeface="Cambria Math" panose="02040503050406030204" pitchFamily="18" charset="0"/>
+                                            </a:rPr>
+                                            <m:t>𝑎𝑡𝑖𝑡𝑢𝑑𝑒</m:t>
+                                          </m:r>
+                                        </m:e>
+                                        <m:sub>
+                                          <m:r>
+                                            <a:rPr lang="en-GB" sz="1100" i="1">
+                                              <a:latin typeface="Cambria Math" panose="02040503050406030204" pitchFamily="18" charset="0"/>
+                                            </a:rPr>
+                                            <m:t>𝑗</m:t>
+                                          </m:r>
+                                        </m:sub>
+                                      </m:sSub>
+                                    </m:e>
+                                  </m:d>
+                                  <m:r>
+                                    <a:rPr lang="en-GB" sz="1100" i="0" smtClean="0">
+                                      <a:latin typeface="Cambria Math" panose="02040503050406030204" pitchFamily="18" charset="0"/>
+                                    </a:rPr>
+                                    <m:t>−</m:t>
+                                  </m:r>
+                                  <m:r>
+                                    <a:rPr lang="en-GB" sz="1100" b="1" i="1">
+                                      <a:solidFill>
+                                        <a:srgbClr val="E76D3D"/>
+                                      </a:solidFill>
+                                      <a:latin typeface="Cambria Math" panose="02040503050406030204" pitchFamily="18" charset="0"/>
+                                    </a:rPr>
+                                    <m:t>𝑴</m:t>
+                                  </m:r>
+                                </m:e>
+                              </m:d>
+                            </m:sup>
+                          </m:sSup>
+                        </m:den>
+                      </m:f>
+                      <m:r>
+                        <a:rPr lang="en-GB" sz="1100" i="0">
+                          <a:latin typeface="Cambria Math" panose="02040503050406030204" pitchFamily="18" charset="0"/>
+                        </a:rPr>
+                        <m:t> </m:t>
+                      </m:r>
+                      <m:r>
+                        <a:rPr lang="en-GB" sz="1100" i="0" smtClean="0">
+                          <a:latin typeface="Cambria Math" panose="02040503050406030204" pitchFamily="18" charset="0"/>
+                        </a:rPr>
+                        <m:t>, </m:t>
+                      </m:r>
+                      <m:r>
+                        <a:rPr lang="en-GB" sz="1100" i="0">
+                          <a:latin typeface="Cambria Math" panose="02040503050406030204" pitchFamily="18" charset="0"/>
+                        </a:rPr>
+                        <m:t>   </m:t>
+                      </m:r>
+                      <m:r>
+                        <a:rPr lang="en-GB" sz="1100" i="1">
+                          <a:latin typeface="Cambria Math" panose="02040503050406030204" pitchFamily="18" charset="0"/>
+                        </a:rPr>
+                        <m:t>𝑗</m:t>
+                      </m:r>
+                      <m:r>
+                        <a:rPr lang="en-GB" sz="1100" i="0">
+                          <a:latin typeface="Cambria Math" panose="02040503050406030204" pitchFamily="18" charset="0"/>
+                        </a:rPr>
+                        <m:t>=1,...,</m:t>
+                      </m:r>
+                      <m:r>
+                        <a:rPr lang="en-GB" sz="1100" i="1">
+                          <a:latin typeface="Cambria Math" panose="02040503050406030204" pitchFamily="18" charset="0"/>
+                        </a:rPr>
+                        <m:t>𝑛</m:t>
+                      </m:r>
+                    </m:oMath>
+                  </m:oMathPara>
+                </a14:m>
+                <a:endParaRPr lang="en-GB" sz="1100" dirty="0"/>
+              </a:p>
+            </p:txBody>
+          </p:sp>
+        </mc:Choice>
+        <mc:Fallback>
+          <p:sp>
+            <p:nvSpPr>
+              <p:cNvPr id="9" name="TextBox 8">
+                <a:extLst>
+                  <a:ext uri="{FF2B5EF4-FFF2-40B4-BE49-F238E27FC236}">
+                    <a16:creationId xmlns:a16="http://schemas.microsoft.com/office/drawing/2014/main" id="{28A7F6E5-E1F6-4D9B-B83E-CBEEFC13BC34}"/>
+                  </a:ext>
+                </a:extLst>
+              </p:cNvPr>
+              <p:cNvSpPr txBox="1">
+                <a:spLocks noRot="1" noChangeAspect="1" noMove="1" noResize="1" noEditPoints="1" noAdjustHandles="1" noChangeArrowheads="1" noChangeShapeType="1" noTextEdit="1"/>
+              </p:cNvSpPr>
+              <p:nvPr/>
+            </p:nvSpPr>
+            <p:spPr>
+              <a:xfrm>
+                <a:off x="2727447" y="1858093"/>
+                <a:ext cx="3069962" cy="445635"/>
+              </a:xfrm>
+              <a:prstGeom prst="rect">
+                <a:avLst/>
+              </a:prstGeom>
+              <a:blipFill>
+                <a:blip r:embed="rId4"/>
+                <a:stretch>
+                  <a:fillRect/>
+                </a:stretch>
+              </a:blipFill>
+            </p:spPr>
+            <p:txBody>
+              <a:bodyPr/>
+              <a:lstStyle/>
+              <a:p>
+                <a:r>
+                  <a:rPr lang="en-GB">
+                    <a:noFill/>
+                  </a:rPr>
+                  <a:t> </a:t>
+                </a:r>
+              </a:p>
+            </p:txBody>
+          </p:sp>
+        </mc:Fallback>
+      </mc:AlternateContent>
+      <p:grpSp>
+        <p:nvGrpSpPr>
+          <p:cNvPr id="19" name="Group 18">
+            <a:extLst>
+              <a:ext uri="{FF2B5EF4-FFF2-40B4-BE49-F238E27FC236}">
+                <a16:creationId xmlns:a16="http://schemas.microsoft.com/office/drawing/2014/main" id="{CCD744C4-7D2A-4327-B4E8-9F502C108247}"/>
+              </a:ext>
+            </a:extLst>
+          </p:cNvPr>
+          <p:cNvGrpSpPr/>
+          <p:nvPr/>
+        </p:nvGrpSpPr>
+        <p:grpSpPr>
+          <a:xfrm>
+            <a:off x="91236" y="3534697"/>
+            <a:ext cx="2114962" cy="1658920"/>
+            <a:chOff x="0" y="1696141"/>
+            <a:chExt cx="6584044" cy="5164347"/>
+          </a:xfrm>
+        </p:grpSpPr>
+        <p:pic>
+          <p:nvPicPr>
+            <p:cNvPr id="10" name="Picture 9">
+              <a:extLst>
+                <a:ext uri="{FF2B5EF4-FFF2-40B4-BE49-F238E27FC236}">
+                  <a16:creationId xmlns:a16="http://schemas.microsoft.com/office/drawing/2014/main" id="{AF245E05-E4C8-40B6-AA1D-9F72E29F169C}"/>
+                </a:ext>
+              </a:extLst>
+            </p:cNvPr>
+            <p:cNvPicPr>
+              <a:picLocks noChangeAspect="1"/>
+            </p:cNvPicPr>
+            <p:nvPr/>
+          </p:nvPicPr>
+          <p:blipFill>
+            <a:blip r:embed="rId5">
+              <a:extLst>
+                <a:ext uri="{28A0092B-C50C-407E-A947-70E740481C1C}">
+                  <a14:useLocalDpi xmlns:a14="http://schemas.microsoft.com/office/drawing/2010/main" val="0"/>
+                </a:ext>
+              </a:extLst>
+            </a:blip>
+            <a:stretch>
+              <a:fillRect/>
+            </a:stretch>
+          </p:blipFill>
+          <p:spPr>
+            <a:xfrm>
+              <a:off x="0" y="1696141"/>
+              <a:ext cx="5833800" cy="5164347"/>
+            </a:xfrm>
+            <a:prstGeom prst="rect">
+              <a:avLst/>
+            </a:prstGeom>
+          </p:spPr>
+        </p:pic>
+        <p:sp>
+          <p:nvSpPr>
+            <p:cNvPr id="11" name="TextBox 10">
+              <a:extLst>
+                <a:ext uri="{FF2B5EF4-FFF2-40B4-BE49-F238E27FC236}">
+                  <a16:creationId xmlns:a16="http://schemas.microsoft.com/office/drawing/2014/main" id="{1500868E-80A7-4DD6-B46F-48AA9CF7D6B6}"/>
+                </a:ext>
+              </a:extLst>
+            </p:cNvPr>
+            <p:cNvSpPr txBox="1"/>
+            <p:nvPr/>
+          </p:nvSpPr>
+          <p:spPr>
+            <a:xfrm>
+              <a:off x="5925067" y="4897306"/>
+              <a:ext cx="658977" cy="639383"/>
+            </a:xfrm>
+            <a:prstGeom prst="rect">
+              <a:avLst/>
+            </a:prstGeom>
+            <a:noFill/>
+          </p:spPr>
+          <p:txBody>
+            <a:bodyPr wrap="none" rtlCol="0">
+              <a:spAutoFit/>
+            </a:bodyPr>
+            <a:lstStyle/>
+            <a:p>
+              <a:r>
+                <a:rPr lang="en-GB" sz="1050" b="1" dirty="0">
+                  <a:solidFill>
+                    <a:srgbClr val="4472C4"/>
+                  </a:solidFill>
+                </a:rPr>
+                <a:t>A</a:t>
+              </a:r>
+            </a:p>
+          </p:txBody>
+        </p:sp>
+        <p:sp>
+          <p:nvSpPr>
+            <p:cNvPr id="12" name="TextBox 11">
+              <a:extLst>
+                <a:ext uri="{FF2B5EF4-FFF2-40B4-BE49-F238E27FC236}">
+                  <a16:creationId xmlns:a16="http://schemas.microsoft.com/office/drawing/2014/main" id="{0B155053-58A8-4CE2-92A9-77E374D8DB73}"/>
+                </a:ext>
+              </a:extLst>
+            </p:cNvPr>
+            <p:cNvSpPr txBox="1"/>
+            <p:nvPr/>
+          </p:nvSpPr>
+          <p:spPr>
+            <a:xfrm>
+              <a:off x="4962799" y="1972430"/>
+              <a:ext cx="639383" cy="639383"/>
+            </a:xfrm>
+            <a:prstGeom prst="rect">
+              <a:avLst/>
+            </a:prstGeom>
+            <a:noFill/>
+            <a:ln>
+              <a:noFill/>
+            </a:ln>
+          </p:spPr>
+          <p:txBody>
+            <a:bodyPr wrap="none" rtlCol="0">
+              <a:spAutoFit/>
+            </a:bodyPr>
+            <a:lstStyle/>
+            <a:p>
+              <a:r>
+                <a:rPr lang="en-GB" sz="1050" b="1" dirty="0">
+                  <a:solidFill>
+                    <a:srgbClr val="C00000"/>
+                  </a:solidFill>
+                </a:rPr>
+                <a:t>K</a:t>
+              </a:r>
+            </a:p>
+          </p:txBody>
+        </p:sp>
+        <p:sp>
+          <p:nvSpPr>
+            <p:cNvPr id="13" name="TextBox 12">
+              <a:extLst>
+                <a:ext uri="{FF2B5EF4-FFF2-40B4-BE49-F238E27FC236}">
+                  <a16:creationId xmlns:a16="http://schemas.microsoft.com/office/drawing/2014/main" id="{55B2A99A-400E-444B-B896-0D4B0408643D}"/>
+                </a:ext>
+              </a:extLst>
+            </p:cNvPr>
+            <p:cNvSpPr txBox="1"/>
+            <p:nvPr/>
+          </p:nvSpPr>
+          <p:spPr>
+            <a:xfrm>
+              <a:off x="3474719" y="2464168"/>
+              <a:ext cx="409083" cy="639383"/>
+            </a:xfrm>
+            <a:prstGeom prst="rect">
+              <a:avLst/>
+            </a:prstGeom>
+            <a:noFill/>
+          </p:spPr>
+          <p:txBody>
+            <a:bodyPr wrap="square" rtlCol="0">
+              <a:spAutoFit/>
+            </a:bodyPr>
+            <a:lstStyle/>
+            <a:p>
+              <a:r>
+                <a:rPr lang="en-GB" sz="1050" b="1" dirty="0">
+                  <a:solidFill>
+                    <a:srgbClr val="E76D3D"/>
+                  </a:solidFill>
+                </a:rPr>
+                <a:t>M</a:t>
+              </a:r>
+            </a:p>
+          </p:txBody>
+        </p:sp>
+        <p:cxnSp>
+          <p:nvCxnSpPr>
+            <p:cNvPr id="14" name="Straight Connector 13">
+              <a:extLst>
+                <a:ext uri="{FF2B5EF4-FFF2-40B4-BE49-F238E27FC236}">
+                  <a16:creationId xmlns:a16="http://schemas.microsoft.com/office/drawing/2014/main" id="{3DE75D32-98F8-4CF1-B999-80B501983910}"/>
+                </a:ext>
+              </a:extLst>
+            </p:cNvPr>
+            <p:cNvCxnSpPr>
+              <a:cxnSpLocks/>
+              <a:endCxn id="12" idx="1"/>
+            </p:cNvCxnSpPr>
+            <p:nvPr/>
+          </p:nvCxnSpPr>
+          <p:spPr>
+            <a:xfrm>
+              <a:off x="1533552" y="2275016"/>
+              <a:ext cx="3429247" cy="17106"/>
+            </a:xfrm>
+            <a:prstGeom prst="line">
+              <a:avLst/>
+            </a:prstGeom>
+            <a:ln w="19050">
+              <a:solidFill>
+                <a:srgbClr val="C00000"/>
+              </a:solidFill>
+              <a:prstDash val="sysDash"/>
+            </a:ln>
+          </p:spPr>
+          <p:style>
+            <a:lnRef idx="1">
+              <a:schemeClr val="accent1"/>
+            </a:lnRef>
+            <a:fillRef idx="0">
+              <a:schemeClr val="accent1"/>
+            </a:fillRef>
+            <a:effectRef idx="0">
+              <a:schemeClr val="accent1"/>
+            </a:effectRef>
+            <a:fontRef idx="minor">
+              <a:schemeClr val="tx1"/>
+            </a:fontRef>
+          </p:style>
+        </p:cxnSp>
+        <p:cxnSp>
+          <p:nvCxnSpPr>
+            <p:cNvPr id="15" name="Straight Connector 14">
+              <a:extLst>
+                <a:ext uri="{FF2B5EF4-FFF2-40B4-BE49-F238E27FC236}">
+                  <a16:creationId xmlns:a16="http://schemas.microsoft.com/office/drawing/2014/main" id="{775BFE94-7305-4B34-BE5D-435651ECDA17}"/>
+                </a:ext>
+              </a:extLst>
+            </p:cNvPr>
+            <p:cNvCxnSpPr>
+              <a:cxnSpLocks/>
+            </p:cNvCxnSpPr>
+            <p:nvPr/>
+          </p:nvCxnSpPr>
+          <p:spPr>
+            <a:xfrm>
+              <a:off x="3474720" y="2703081"/>
+              <a:ext cx="0" cy="2644423"/>
+            </a:xfrm>
+            <a:prstGeom prst="line">
+              <a:avLst/>
+            </a:prstGeom>
+            <a:ln w="19050">
+              <a:solidFill>
+                <a:srgbClr val="E76D3D"/>
+              </a:solidFill>
+              <a:prstDash val="sysDash"/>
+            </a:ln>
+          </p:spPr>
+          <p:style>
+            <a:lnRef idx="1">
+              <a:schemeClr val="accent1"/>
+            </a:lnRef>
+            <a:fillRef idx="0">
+              <a:schemeClr val="accent1"/>
+            </a:fillRef>
+            <a:effectRef idx="0">
+              <a:schemeClr val="accent1"/>
+            </a:effectRef>
+            <a:fontRef idx="minor">
+              <a:schemeClr val="tx1"/>
+            </a:fontRef>
+          </p:style>
+        </p:cxnSp>
+        <p:cxnSp>
+          <p:nvCxnSpPr>
+            <p:cNvPr id="16" name="Straight Connector 15">
+              <a:extLst>
+                <a:ext uri="{FF2B5EF4-FFF2-40B4-BE49-F238E27FC236}">
+                  <a16:creationId xmlns:a16="http://schemas.microsoft.com/office/drawing/2014/main" id="{2C472F99-02C8-478B-93E4-61FC66BCF8C6}"/>
+                </a:ext>
+              </a:extLst>
+            </p:cNvPr>
+            <p:cNvCxnSpPr>
+              <a:cxnSpLocks/>
+            </p:cNvCxnSpPr>
+            <p:nvPr/>
+          </p:nvCxnSpPr>
+          <p:spPr>
+            <a:xfrm>
+              <a:off x="1556323" y="5189693"/>
+              <a:ext cx="4277477" cy="0"/>
+            </a:xfrm>
+            <a:prstGeom prst="line">
+              <a:avLst/>
+            </a:prstGeom>
+            <a:ln w="19050">
+              <a:prstDash val="sysDash"/>
+            </a:ln>
+          </p:spPr>
+          <p:style>
+            <a:lnRef idx="1">
+              <a:schemeClr val="accent1"/>
+            </a:lnRef>
+            <a:fillRef idx="0">
+              <a:schemeClr val="accent1"/>
+            </a:fillRef>
+            <a:effectRef idx="0">
+              <a:schemeClr val="accent1"/>
+            </a:effectRef>
+            <a:fontRef idx="minor">
+              <a:schemeClr val="tx1"/>
+            </a:fontRef>
+          </p:style>
+        </p:cxnSp>
+        <p:cxnSp>
+          <p:nvCxnSpPr>
+            <p:cNvPr id="17" name="Straight Connector 16">
+              <a:extLst>
+                <a:ext uri="{FF2B5EF4-FFF2-40B4-BE49-F238E27FC236}">
+                  <a16:creationId xmlns:a16="http://schemas.microsoft.com/office/drawing/2014/main" id="{510A057D-1C40-418C-B44A-A0970B158E1A}"/>
+                </a:ext>
+              </a:extLst>
+            </p:cNvPr>
+            <p:cNvCxnSpPr>
+              <a:cxnSpLocks/>
+            </p:cNvCxnSpPr>
+            <p:nvPr/>
+          </p:nvCxnSpPr>
+          <p:spPr>
+            <a:xfrm>
+              <a:off x="2261950" y="3515782"/>
+              <a:ext cx="721090" cy="1119284"/>
+            </a:xfrm>
+            <a:prstGeom prst="line">
+              <a:avLst/>
+            </a:prstGeom>
+            <a:ln w="19050">
+              <a:solidFill>
+                <a:srgbClr val="00B050"/>
+              </a:solidFill>
+              <a:prstDash val="sysDash"/>
+            </a:ln>
+          </p:spPr>
+          <p:style>
+            <a:lnRef idx="1">
+              <a:schemeClr val="accent1"/>
+            </a:lnRef>
+            <a:fillRef idx="0">
+              <a:schemeClr val="accent1"/>
+            </a:fillRef>
+            <a:effectRef idx="0">
+              <a:schemeClr val="accent1"/>
+            </a:effectRef>
+            <a:fontRef idx="minor">
+              <a:schemeClr val="tx1"/>
+            </a:fontRef>
+          </p:style>
+        </p:cxnSp>
+        <p:sp>
+          <p:nvSpPr>
+            <p:cNvPr id="18" name="TextBox 17">
+              <a:extLst>
+                <a:ext uri="{FF2B5EF4-FFF2-40B4-BE49-F238E27FC236}">
+                  <a16:creationId xmlns:a16="http://schemas.microsoft.com/office/drawing/2014/main" id="{3B9DB6AC-6A17-4676-93F7-C1F933E2E0C5}"/>
+                </a:ext>
+              </a:extLst>
+            </p:cNvPr>
+            <p:cNvSpPr txBox="1"/>
+            <p:nvPr/>
+          </p:nvSpPr>
+          <p:spPr>
+            <a:xfrm>
+              <a:off x="2158463" y="3874265"/>
+              <a:ext cx="643305" cy="639383"/>
+            </a:xfrm>
+            <a:prstGeom prst="rect">
+              <a:avLst/>
+            </a:prstGeom>
+            <a:noFill/>
+          </p:spPr>
+          <p:txBody>
+            <a:bodyPr wrap="none" rtlCol="0">
+              <a:spAutoFit/>
+            </a:bodyPr>
+            <a:lstStyle/>
+            <a:p>
+              <a:r>
+                <a:rPr lang="en-GB" sz="1050" b="1" dirty="0">
+                  <a:solidFill>
+                    <a:srgbClr val="00B050"/>
+                  </a:solidFill>
+                </a:rPr>
+                <a:t>B</a:t>
+              </a:r>
+            </a:p>
+          </p:txBody>
+        </p:sp>
+      </p:grpSp>
+      <p:cxnSp>
+        <p:nvCxnSpPr>
+          <p:cNvPr id="22" name="Straight Arrow Connector 21">
+            <a:extLst>
+              <a:ext uri="{FF2B5EF4-FFF2-40B4-BE49-F238E27FC236}">
+                <a16:creationId xmlns:a16="http://schemas.microsoft.com/office/drawing/2014/main" id="{DD1972AB-7A99-4A4D-B6FA-B550DFF586F3}"/>
+              </a:ext>
+            </a:extLst>
+          </p:cNvPr>
+          <p:cNvCxnSpPr>
+            <a:cxnSpLocks/>
+          </p:cNvCxnSpPr>
+          <p:nvPr/>
+        </p:nvCxnSpPr>
+        <p:spPr>
+          <a:xfrm>
+            <a:off x="3388902" y="1345244"/>
+            <a:ext cx="15752" cy="426118"/>
+          </a:xfrm>
+          <a:prstGeom prst="straightConnector1">
+            <a:avLst/>
+          </a:prstGeom>
+          <a:ln w="12700">
+            <a:solidFill>
+              <a:srgbClr val="000000"/>
+            </a:solidFill>
+            <a:tailEnd type="triangle"/>
+          </a:ln>
+        </p:spPr>
+        <p:style>
+          <a:lnRef idx="1">
+            <a:schemeClr val="accent1"/>
+          </a:lnRef>
+          <a:fillRef idx="0">
+            <a:schemeClr val="accent1"/>
+          </a:fillRef>
+          <a:effectRef idx="0">
+            <a:schemeClr val="accent1"/>
+          </a:effectRef>
+          <a:fontRef idx="minor">
+            <a:schemeClr val="tx1"/>
+          </a:fontRef>
+        </p:style>
+      </p:cxnSp>
+      <p:cxnSp>
+        <p:nvCxnSpPr>
+          <p:cNvPr id="24" name="Straight Arrow Connector 23">
+            <a:extLst>
+              <a:ext uri="{FF2B5EF4-FFF2-40B4-BE49-F238E27FC236}">
+                <a16:creationId xmlns:a16="http://schemas.microsoft.com/office/drawing/2014/main" id="{45796E26-888E-4003-A97D-34583AF8735D}"/>
+              </a:ext>
+            </a:extLst>
+          </p:cNvPr>
+          <p:cNvCxnSpPr>
+            <a:cxnSpLocks/>
+          </p:cNvCxnSpPr>
+          <p:nvPr/>
+        </p:nvCxnSpPr>
+        <p:spPr>
+          <a:xfrm flipH="1">
+            <a:off x="4101599" y="1436984"/>
+            <a:ext cx="269023" cy="328999"/>
+          </a:xfrm>
+          <a:prstGeom prst="straightConnector1">
+            <a:avLst/>
+          </a:prstGeom>
+          <a:ln w="12700">
+            <a:solidFill>
+              <a:srgbClr val="000000"/>
+            </a:solidFill>
+            <a:tailEnd type="triangle"/>
+          </a:ln>
+        </p:spPr>
+        <p:style>
+          <a:lnRef idx="1">
+            <a:schemeClr val="accent1"/>
+          </a:lnRef>
+          <a:fillRef idx="0">
+            <a:schemeClr val="accent1"/>
+          </a:fillRef>
+          <a:effectRef idx="0">
+            <a:schemeClr val="accent1"/>
+          </a:effectRef>
+          <a:fontRef idx="minor">
+            <a:schemeClr val="tx1"/>
+          </a:fontRef>
+        </p:style>
+      </p:cxnSp>
+      <p:pic>
+        <p:nvPicPr>
+          <p:cNvPr id="35" name="Picture 34">
+            <a:extLst>
+              <a:ext uri="{FF2B5EF4-FFF2-40B4-BE49-F238E27FC236}">
+                <a16:creationId xmlns:a16="http://schemas.microsoft.com/office/drawing/2014/main" id="{737EE894-CF8D-4FC5-9226-84A898E06B21}"/>
+              </a:ext>
+            </a:extLst>
+          </p:cNvPr>
+          <p:cNvPicPr>
+            <a:picLocks noChangeAspect="1"/>
+          </p:cNvPicPr>
+          <p:nvPr/>
+        </p:nvPicPr>
+        <p:blipFill>
+          <a:blip r:embed="rId6"/>
+          <a:stretch>
+            <a:fillRect/>
+          </a:stretch>
+        </p:blipFill>
+        <p:spPr>
+          <a:xfrm>
+            <a:off x="5437983" y="534347"/>
+            <a:ext cx="1051525" cy="900226"/>
+          </a:xfrm>
+          <a:prstGeom prst="rect">
+            <a:avLst/>
+          </a:prstGeom>
+        </p:spPr>
+      </p:pic>
+      <p:pic>
+        <p:nvPicPr>
+          <p:cNvPr id="45" name="Picture 44">
+            <a:extLst>
+              <a:ext uri="{FF2B5EF4-FFF2-40B4-BE49-F238E27FC236}">
+                <a16:creationId xmlns:a16="http://schemas.microsoft.com/office/drawing/2014/main" id="{B275B01E-2FA9-44E4-A166-3A6CCCC5E2A7}"/>
+              </a:ext>
+            </a:extLst>
+          </p:cNvPr>
+          <p:cNvPicPr>
+            <a:picLocks noChangeAspect="1"/>
+          </p:cNvPicPr>
+          <p:nvPr/>
+        </p:nvPicPr>
+        <p:blipFill>
+          <a:blip r:embed="rId6"/>
+          <a:stretch>
+            <a:fillRect/>
+          </a:stretch>
+        </p:blipFill>
+        <p:spPr>
+          <a:xfrm>
+            <a:off x="6488965" y="558599"/>
+            <a:ext cx="1051525" cy="900226"/>
+          </a:xfrm>
+          <a:prstGeom prst="rect">
+            <a:avLst/>
+          </a:prstGeom>
+        </p:spPr>
+      </p:pic>
+      <p:cxnSp>
+        <p:nvCxnSpPr>
+          <p:cNvPr id="53" name="Straight Arrow Connector 52">
+            <a:extLst>
+              <a:ext uri="{FF2B5EF4-FFF2-40B4-BE49-F238E27FC236}">
+                <a16:creationId xmlns:a16="http://schemas.microsoft.com/office/drawing/2014/main" id="{B674B027-7423-481F-840B-E3493827BB33}"/>
+              </a:ext>
+            </a:extLst>
+          </p:cNvPr>
+          <p:cNvCxnSpPr>
+            <a:cxnSpLocks/>
+          </p:cNvCxnSpPr>
+          <p:nvPr/>
+        </p:nvCxnSpPr>
+        <p:spPr>
+          <a:xfrm>
+            <a:off x="3474949" y="3192763"/>
+            <a:ext cx="0" cy="653799"/>
+          </a:xfrm>
+          <a:prstGeom prst="straightConnector1">
+            <a:avLst/>
+          </a:prstGeom>
+          <a:ln w="12700">
+            <a:solidFill>
+              <a:schemeClr val="tx1"/>
+            </a:solidFill>
+            <a:tailEnd type="triangle"/>
+          </a:ln>
+        </p:spPr>
+        <p:style>
+          <a:lnRef idx="1">
+            <a:schemeClr val="accent1"/>
+          </a:lnRef>
+          <a:fillRef idx="0">
+            <a:schemeClr val="accent1"/>
+          </a:fillRef>
+          <a:effectRef idx="0">
+            <a:schemeClr val="accent1"/>
+          </a:effectRef>
+          <a:fontRef idx="minor">
+            <a:schemeClr val="tx1"/>
+          </a:fontRef>
+        </p:style>
+      </p:cxnSp>
+      <p:cxnSp>
+        <p:nvCxnSpPr>
+          <p:cNvPr id="57" name="Straight Arrow Connector 56">
+            <a:extLst>
+              <a:ext uri="{FF2B5EF4-FFF2-40B4-BE49-F238E27FC236}">
+                <a16:creationId xmlns:a16="http://schemas.microsoft.com/office/drawing/2014/main" id="{3811A211-7BC8-4215-9DBF-6D37A4871DC4}"/>
+              </a:ext>
+            </a:extLst>
+          </p:cNvPr>
+          <p:cNvCxnSpPr>
+            <a:cxnSpLocks/>
+          </p:cNvCxnSpPr>
+          <p:nvPr/>
+        </p:nvCxnSpPr>
+        <p:spPr>
+          <a:xfrm flipH="1">
+            <a:off x="3559420" y="2366026"/>
+            <a:ext cx="670069" cy="386523"/>
+          </a:xfrm>
+          <a:prstGeom prst="straightConnector1">
+            <a:avLst/>
+          </a:prstGeom>
+          <a:ln w="12700">
+            <a:solidFill>
+              <a:schemeClr val="tx1"/>
+            </a:solidFill>
+            <a:tailEnd type="triangle"/>
+          </a:ln>
+        </p:spPr>
+        <p:style>
+          <a:lnRef idx="1">
+            <a:schemeClr val="accent1"/>
+          </a:lnRef>
+          <a:fillRef idx="0">
+            <a:schemeClr val="accent1"/>
+          </a:fillRef>
+          <a:effectRef idx="0">
+            <a:schemeClr val="accent1"/>
+          </a:effectRef>
+          <a:fontRef idx="minor">
+            <a:schemeClr val="tx1"/>
+          </a:fontRef>
+        </p:style>
+      </p:cxnSp>
+      <p:sp>
+        <p:nvSpPr>
+          <p:cNvPr id="59" name="Right Brace 58">
+            <a:extLst>
+              <a:ext uri="{FF2B5EF4-FFF2-40B4-BE49-F238E27FC236}">
+                <a16:creationId xmlns:a16="http://schemas.microsoft.com/office/drawing/2014/main" id="{E5B083F2-CC63-4F2B-82FC-33FE7B8ECD3F}"/>
+              </a:ext>
+            </a:extLst>
+          </p:cNvPr>
+          <p:cNvSpPr/>
+          <p:nvPr/>
+        </p:nvSpPr>
+        <p:spPr>
+          <a:xfrm rot="5400000">
+            <a:off x="4113296" y="1129008"/>
+            <a:ext cx="211680" cy="2326856"/>
+          </a:xfrm>
+          <a:prstGeom prst="rightBrace">
+            <a:avLst/>
+          </a:prstGeom>
+          <a:ln w="12700">
+            <a:solidFill>
+              <a:schemeClr val="tx1"/>
+            </a:solidFill>
+          </a:ln>
+        </p:spPr>
+        <p:style>
+          <a:lnRef idx="1">
+            <a:schemeClr val="accent1"/>
+          </a:lnRef>
+          <a:fillRef idx="0">
+            <a:schemeClr val="accent1"/>
+          </a:fillRef>
+          <a:effectRef idx="0">
+            <a:schemeClr val="accent1"/>
+          </a:effectRef>
+          <a:fontRef idx="minor">
+            <a:schemeClr val="tx1"/>
+          </a:fontRef>
+        </p:style>
+        <p:txBody>
+          <a:bodyPr rtlCol="0" anchor="ctr"/>
+          <a:lstStyle/>
+          <a:p>
+            <a:pPr algn="ctr"/>
+            <a:endParaRPr lang="en-GB"/>
+          </a:p>
+        </p:txBody>
+      </p:sp>
+      <mc:AlternateContent xmlns:mc="http://schemas.openxmlformats.org/markup-compatibility/2006">
+        <mc:Choice xmlns:a14="http://schemas.microsoft.com/office/drawing/2010/main" Requires="a14">
+          <p:sp>
+            <p:nvSpPr>
+              <p:cNvPr id="63" name="TextBox 62">
+                <a:extLst>
+                  <a:ext uri="{FF2B5EF4-FFF2-40B4-BE49-F238E27FC236}">
+                    <a16:creationId xmlns:a16="http://schemas.microsoft.com/office/drawing/2014/main" id="{7E2DCCAE-4934-44AB-B196-C59C41418823}"/>
+                  </a:ext>
+                </a:extLst>
+              </p:cNvPr>
+              <p:cNvSpPr txBox="1"/>
+              <p:nvPr/>
+            </p:nvSpPr>
+            <p:spPr>
+              <a:xfrm>
+                <a:off x="3250121" y="2626163"/>
+                <a:ext cx="449656" cy="391646"/>
+              </a:xfrm>
+              <a:prstGeom prst="rect">
+                <a:avLst/>
+              </a:prstGeom>
+              <a:noFill/>
+            </p:spPr>
+            <p:txBody>
+              <a:bodyPr wrap="square">
+                <a:spAutoFit/>
+              </a:bodyPr>
+              <a:lstStyle/>
+              <a:p>
+                <a:pPr/>
+                <a14:m>
+                  <m:oMathPara xmlns:m="http://schemas.openxmlformats.org/officeDocument/2006/math">
+                    <m:oMathParaPr>
+                      <m:jc m:val="centerGroup"/>
+                    </m:oMathParaPr>
+                    <m:oMath xmlns:m="http://schemas.openxmlformats.org/officeDocument/2006/math">
+                      <m:sSub>
+                        <m:sSubPr>
+                          <m:ctrlPr>
+                            <a:rPr lang="en-GB" sz="1800" i="1" smtClean="0">
+                              <a:latin typeface="Cambria Math" panose="02040503050406030204" pitchFamily="18" charset="0"/>
+                            </a:rPr>
+                          </m:ctrlPr>
+                        </m:sSubPr>
+                        <m:e>
+                          <m:r>
+                            <a:rPr lang="en-US" sz="1800" i="1">
+                              <a:latin typeface="Cambria Math" panose="02040503050406030204" pitchFamily="18" charset="0"/>
+                            </a:rPr>
+                            <m:t>𝜈</m:t>
+                          </m:r>
+                        </m:e>
+                        <m:sub>
+                          <m:r>
+                            <a:rPr lang="en-US" sz="1800" i="1">
+                              <a:latin typeface="Cambria Math" panose="02040503050406030204" pitchFamily="18" charset="0"/>
+                            </a:rPr>
+                            <m:t>𝑗</m:t>
+                          </m:r>
+                        </m:sub>
+                      </m:sSub>
+                    </m:oMath>
+                  </m:oMathPara>
+                </a14:m>
+                <a:endParaRPr lang="en-GB" dirty="0"/>
+              </a:p>
+            </p:txBody>
+          </p:sp>
+        </mc:Choice>
+        <mc:Fallback>
+          <p:sp>
+            <p:nvSpPr>
+              <p:cNvPr id="63" name="TextBox 62">
+                <a:extLst>
+                  <a:ext uri="{FF2B5EF4-FFF2-40B4-BE49-F238E27FC236}">
+                    <a16:creationId xmlns:a16="http://schemas.microsoft.com/office/drawing/2014/main" id="{7E2DCCAE-4934-44AB-B196-C59C41418823}"/>
+                  </a:ext>
+                </a:extLst>
+              </p:cNvPr>
+              <p:cNvSpPr txBox="1">
+                <a:spLocks noRot="1" noChangeAspect="1" noMove="1" noResize="1" noEditPoints="1" noAdjustHandles="1" noChangeArrowheads="1" noChangeShapeType="1" noTextEdit="1"/>
+              </p:cNvSpPr>
+              <p:nvPr/>
+            </p:nvSpPr>
+            <p:spPr>
+              <a:xfrm>
+                <a:off x="3250121" y="2626163"/>
+                <a:ext cx="449656" cy="391646"/>
+              </a:xfrm>
+              <a:prstGeom prst="rect">
+                <a:avLst/>
+              </a:prstGeom>
+              <a:blipFill>
+                <a:blip r:embed="rId7"/>
+                <a:stretch>
+                  <a:fillRect b="-7813"/>
+                </a:stretch>
+              </a:blipFill>
+            </p:spPr>
+            <p:txBody>
+              <a:bodyPr/>
+              <a:lstStyle/>
+              <a:p>
+                <a:r>
+                  <a:rPr lang="en-GB">
+                    <a:noFill/>
+                  </a:rPr>
+                  <a:t> </a:t>
+                </a:r>
+              </a:p>
+            </p:txBody>
+          </p:sp>
+        </mc:Fallback>
+      </mc:AlternateContent>
+      <mc:AlternateContent xmlns:mc="http://schemas.openxmlformats.org/markup-compatibility/2006">
+        <mc:Choice xmlns:a14="http://schemas.microsoft.com/office/drawing/2010/main" Requires="a14">
+          <p:sp>
+            <p:nvSpPr>
+              <p:cNvPr id="64" name="TextBox 63">
+                <a:extLst>
+                  <a:ext uri="{FF2B5EF4-FFF2-40B4-BE49-F238E27FC236}">
+                    <a16:creationId xmlns:a16="http://schemas.microsoft.com/office/drawing/2014/main" id="{5E3BE645-95AE-420B-8D34-12DD18A38E83}"/>
+                  </a:ext>
+                </a:extLst>
+              </p:cNvPr>
+              <p:cNvSpPr txBox="1"/>
+              <p:nvPr/>
+            </p:nvSpPr>
+            <p:spPr>
+              <a:xfrm>
+                <a:off x="3522304" y="2286364"/>
+                <a:ext cx="460130" cy="369332"/>
+              </a:xfrm>
+              <a:prstGeom prst="rect">
+                <a:avLst/>
+              </a:prstGeom>
+              <a:noFill/>
+            </p:spPr>
+            <p:txBody>
+              <a:bodyPr wrap="square">
+                <a:spAutoFit/>
+              </a:bodyPr>
+              <a:lstStyle/>
+              <a:p>
+                <a:pPr/>
+                <a14:m>
+                  <m:oMathPara xmlns:m="http://schemas.openxmlformats.org/officeDocument/2006/math">
+                    <m:oMathParaPr>
+                      <m:jc m:val="centerGroup"/>
+                    </m:oMathParaPr>
+                    <m:oMath xmlns:m="http://schemas.openxmlformats.org/officeDocument/2006/math">
+                      <m:r>
+                        <a:rPr lang="en-GB" b="0" i="1" smtClean="0">
+                          <a:latin typeface="Cambria Math" panose="02040503050406030204" pitchFamily="18" charset="0"/>
+                        </a:rPr>
+                        <m:t>=</m:t>
+                      </m:r>
+                    </m:oMath>
+                  </m:oMathPara>
+                </a14:m>
+                <a:endParaRPr lang="en-GB" dirty="0"/>
+              </a:p>
+            </p:txBody>
+          </p:sp>
+        </mc:Choice>
+        <mc:Fallback>
+          <p:sp>
+            <p:nvSpPr>
+              <p:cNvPr id="64" name="TextBox 63">
+                <a:extLst>
+                  <a:ext uri="{FF2B5EF4-FFF2-40B4-BE49-F238E27FC236}">
+                    <a16:creationId xmlns:a16="http://schemas.microsoft.com/office/drawing/2014/main" id="{5E3BE645-95AE-420B-8D34-12DD18A38E83}"/>
+                  </a:ext>
+                </a:extLst>
+              </p:cNvPr>
+              <p:cNvSpPr txBox="1">
+                <a:spLocks noRot="1" noChangeAspect="1" noMove="1" noResize="1" noEditPoints="1" noAdjustHandles="1" noChangeArrowheads="1" noChangeShapeType="1" noTextEdit="1"/>
+              </p:cNvSpPr>
+              <p:nvPr/>
+            </p:nvSpPr>
+            <p:spPr>
+              <a:xfrm>
+                <a:off x="3522304" y="2286364"/>
+                <a:ext cx="460130" cy="369332"/>
+              </a:xfrm>
+              <a:prstGeom prst="rect">
+                <a:avLst/>
+              </a:prstGeom>
+              <a:blipFill>
+                <a:blip r:embed="rId8"/>
+                <a:stretch>
+                  <a:fillRect/>
+                </a:stretch>
+              </a:blipFill>
+            </p:spPr>
+            <p:txBody>
+              <a:bodyPr/>
+              <a:lstStyle/>
+              <a:p>
+                <a:r>
+                  <a:rPr lang="en-GB">
+                    <a:noFill/>
+                  </a:rPr>
+                  <a:t> </a:t>
+                </a:r>
+              </a:p>
+            </p:txBody>
+          </p:sp>
+        </mc:Fallback>
+      </mc:AlternateContent>
+      <mc:AlternateContent xmlns:mc="http://schemas.openxmlformats.org/markup-compatibility/2006">
+        <mc:Choice xmlns:a14="http://schemas.microsoft.com/office/drawing/2010/main" Requires="a14">
+          <p:sp>
+            <p:nvSpPr>
+              <p:cNvPr id="65" name="TextBox 64">
+                <a:extLst>
+                  <a:ext uri="{FF2B5EF4-FFF2-40B4-BE49-F238E27FC236}">
+                    <a16:creationId xmlns:a16="http://schemas.microsoft.com/office/drawing/2014/main" id="{B4CC9CB5-6931-4B40-83AF-3FCF043ED028}"/>
+                  </a:ext>
+                </a:extLst>
+              </p:cNvPr>
+              <p:cNvSpPr txBox="1"/>
+              <p:nvPr/>
+            </p:nvSpPr>
+            <p:spPr>
+              <a:xfrm>
+                <a:off x="3099901" y="2944273"/>
+                <a:ext cx="449656" cy="307777"/>
+              </a:xfrm>
+              <a:prstGeom prst="rect">
+                <a:avLst/>
+              </a:prstGeom>
+              <a:noFill/>
+            </p:spPr>
+            <p:txBody>
+              <a:bodyPr wrap="square">
+                <a:spAutoFit/>
+              </a:bodyPr>
+              <a:lstStyle/>
+              <a:p>
+                <a:pPr/>
+                <a14:m>
+                  <m:oMathPara xmlns:m="http://schemas.openxmlformats.org/officeDocument/2006/math">
+                    <m:oMathParaPr>
+                      <m:jc m:val="centerGroup"/>
+                    </m:oMathParaPr>
+                    <m:oMath xmlns:m="http://schemas.openxmlformats.org/officeDocument/2006/math">
+                      <m:r>
+                        <a:rPr lang="en-GB" sz="1400" b="0" i="1" smtClean="0">
+                          <a:latin typeface="Cambria Math" panose="02040503050406030204" pitchFamily="18" charset="0"/>
+                        </a:rPr>
+                        <m:t>𝑛𝑜𝑟𝑚𝑎𝑙</m:t>
+                      </m:r>
+                    </m:oMath>
+                  </m:oMathPara>
+                </a14:m>
+                <a:endParaRPr lang="en-GB" sz="1400" dirty="0"/>
+              </a:p>
+            </p:txBody>
+          </p:sp>
+        </mc:Choice>
+        <mc:Fallback>
+          <p:sp>
+            <p:nvSpPr>
+              <p:cNvPr id="65" name="TextBox 64">
+                <a:extLst>
+                  <a:ext uri="{FF2B5EF4-FFF2-40B4-BE49-F238E27FC236}">
+                    <a16:creationId xmlns:a16="http://schemas.microsoft.com/office/drawing/2014/main" id="{B4CC9CB5-6931-4B40-83AF-3FCF043ED028}"/>
+                  </a:ext>
+                </a:extLst>
+              </p:cNvPr>
+              <p:cNvSpPr txBox="1">
+                <a:spLocks noRot="1" noChangeAspect="1" noMove="1" noResize="1" noEditPoints="1" noAdjustHandles="1" noChangeArrowheads="1" noChangeShapeType="1" noTextEdit="1"/>
+              </p:cNvSpPr>
+              <p:nvPr/>
+            </p:nvSpPr>
+            <p:spPr>
+              <a:xfrm>
+                <a:off x="3099901" y="2944273"/>
+                <a:ext cx="449656" cy="307777"/>
+              </a:xfrm>
+              <a:prstGeom prst="rect">
+                <a:avLst/>
+              </a:prstGeom>
+              <a:blipFill>
+                <a:blip r:embed="rId9"/>
+                <a:stretch>
+                  <a:fillRect r="-64384"/>
+                </a:stretch>
+              </a:blipFill>
+            </p:spPr>
+            <p:txBody>
+              <a:bodyPr/>
+              <a:lstStyle/>
+              <a:p>
+                <a:r>
+                  <a:rPr lang="en-GB">
+                    <a:noFill/>
+                  </a:rPr>
+                  <a:t> </a:t>
+                </a:r>
+              </a:p>
+            </p:txBody>
+          </p:sp>
+        </mc:Fallback>
+      </mc:AlternateContent>
+      <p:sp>
+        <p:nvSpPr>
+          <p:cNvPr id="67" name="TextBox 66">
+            <a:extLst>
+              <a:ext uri="{FF2B5EF4-FFF2-40B4-BE49-F238E27FC236}">
+                <a16:creationId xmlns:a16="http://schemas.microsoft.com/office/drawing/2014/main" id="{554DC508-7E37-4A26-AD65-7EC960CB9B10}"/>
+              </a:ext>
+            </a:extLst>
+          </p:cNvPr>
+          <p:cNvSpPr txBox="1"/>
+          <p:nvPr/>
+        </p:nvSpPr>
+        <p:spPr>
+          <a:xfrm>
+            <a:off x="3716037" y="2658178"/>
+            <a:ext cx="484396" cy="369332"/>
+          </a:xfrm>
+          <a:prstGeom prst="rect">
+            <a:avLst/>
+          </a:prstGeom>
+          <a:noFill/>
+        </p:spPr>
+        <p:txBody>
+          <a:bodyPr wrap="square">
+            <a:spAutoFit/>
+          </a:bodyPr>
+          <a:lstStyle/>
+          <a:p>
+            <a:pPr/>
+            <a:r>
+              <a:rPr lang="el-GR" dirty="0"/>
+              <a:t>σ</a:t>
+            </a:r>
+            <a:endParaRPr lang="en-GB" dirty="0"/>
+          </a:p>
+        </p:txBody>
+      </p:sp>
+      <mc:AlternateContent xmlns:mc="http://schemas.openxmlformats.org/markup-compatibility/2006">
+        <mc:Choice xmlns:a14="http://schemas.microsoft.com/office/drawing/2010/main" Requires="a14">
+          <p:sp>
+            <p:nvSpPr>
+              <p:cNvPr id="71" name="TextBox 70">
+                <a:extLst>
+                  <a:ext uri="{FF2B5EF4-FFF2-40B4-BE49-F238E27FC236}">
+                    <a16:creationId xmlns:a16="http://schemas.microsoft.com/office/drawing/2014/main" id="{BAB6922E-C39D-4C9D-BE91-3C00928ADDE8}"/>
+                  </a:ext>
+                </a:extLst>
+              </p:cNvPr>
+              <p:cNvSpPr txBox="1"/>
+              <p:nvPr/>
+            </p:nvSpPr>
+            <p:spPr>
+              <a:xfrm>
+                <a:off x="3158778" y="3222302"/>
+                <a:ext cx="316172" cy="369332"/>
+              </a:xfrm>
+              <a:prstGeom prst="rect">
+                <a:avLst/>
+              </a:prstGeom>
+              <a:noFill/>
+            </p:spPr>
+            <p:txBody>
+              <a:bodyPr wrap="square">
+                <a:spAutoFit/>
+              </a:bodyPr>
+              <a:lstStyle/>
+              <a:p>
+                <a:pPr/>
+                <a14:m>
+                  <m:oMathPara xmlns:m="http://schemas.openxmlformats.org/officeDocument/2006/math">
+                    <m:oMathParaPr>
+                      <m:jc m:val="centerGroup"/>
+                    </m:oMathParaPr>
+                    <m:oMath xmlns:m="http://schemas.openxmlformats.org/officeDocument/2006/math">
+                      <m:r>
+                        <a:rPr lang="en-GB" b="0" i="1" smtClean="0">
+                          <a:latin typeface="Cambria Math" panose="02040503050406030204" pitchFamily="18" charset="0"/>
+                        </a:rPr>
+                        <m:t>~</m:t>
+                      </m:r>
+                    </m:oMath>
+                  </m:oMathPara>
+                </a14:m>
+                <a:endParaRPr lang="en-GB" dirty="0"/>
+              </a:p>
+            </p:txBody>
+          </p:sp>
+        </mc:Choice>
+        <mc:Fallback>
+          <p:sp>
+            <p:nvSpPr>
+              <p:cNvPr id="71" name="TextBox 70">
+                <a:extLst>
+                  <a:ext uri="{FF2B5EF4-FFF2-40B4-BE49-F238E27FC236}">
+                    <a16:creationId xmlns:a16="http://schemas.microsoft.com/office/drawing/2014/main" id="{BAB6922E-C39D-4C9D-BE91-3C00928ADDE8}"/>
+                  </a:ext>
+                </a:extLst>
+              </p:cNvPr>
+              <p:cNvSpPr txBox="1">
+                <a:spLocks noRot="1" noChangeAspect="1" noMove="1" noResize="1" noEditPoints="1" noAdjustHandles="1" noChangeArrowheads="1" noChangeShapeType="1" noTextEdit="1"/>
+              </p:cNvSpPr>
+              <p:nvPr/>
+            </p:nvSpPr>
+            <p:spPr>
+              <a:xfrm>
+                <a:off x="3158778" y="3222302"/>
+                <a:ext cx="316172" cy="369332"/>
+              </a:xfrm>
+              <a:prstGeom prst="rect">
+                <a:avLst/>
+              </a:prstGeom>
+              <a:blipFill>
+                <a:blip r:embed="rId10"/>
+                <a:stretch>
+                  <a:fillRect/>
+                </a:stretch>
+              </a:blipFill>
+            </p:spPr>
+            <p:txBody>
+              <a:bodyPr/>
+              <a:lstStyle/>
+              <a:p>
+                <a:r>
+                  <a:rPr lang="en-GB">
+                    <a:noFill/>
+                  </a:rPr>
+                  <a:t> </a:t>
+                </a:r>
+              </a:p>
+            </p:txBody>
+          </p:sp>
+        </mc:Fallback>
+      </mc:AlternateContent>
+      <mc:AlternateContent xmlns:mc="http://schemas.openxmlformats.org/markup-compatibility/2006">
+        <mc:Choice xmlns:a14="http://schemas.microsoft.com/office/drawing/2010/main" Requires="a14">
+          <p:sp>
+            <p:nvSpPr>
+              <p:cNvPr id="74" name="TextBox 73">
+                <a:extLst>
+                  <a:ext uri="{FF2B5EF4-FFF2-40B4-BE49-F238E27FC236}">
+                    <a16:creationId xmlns:a16="http://schemas.microsoft.com/office/drawing/2014/main" id="{5C2BD03B-0935-4E42-80D8-C5635C0CA9C8}"/>
+                  </a:ext>
+                </a:extLst>
+              </p:cNvPr>
+              <p:cNvSpPr txBox="1"/>
+              <p:nvPr/>
+            </p:nvSpPr>
+            <p:spPr>
+              <a:xfrm>
+                <a:off x="3281740" y="3709225"/>
+                <a:ext cx="449656" cy="391646"/>
+              </a:xfrm>
+              <a:prstGeom prst="rect">
+                <a:avLst/>
+              </a:prstGeom>
+              <a:noFill/>
+            </p:spPr>
+            <p:txBody>
+              <a:bodyPr wrap="square">
+                <a:spAutoFit/>
+              </a:bodyPr>
+              <a:lstStyle/>
+              <a:p>
+                <a:pPr/>
+                <a14:m>
+                  <m:oMathPara xmlns:m="http://schemas.openxmlformats.org/officeDocument/2006/math">
+                    <m:oMathParaPr>
+                      <m:jc m:val="centerGroup"/>
+                    </m:oMathParaPr>
+                    <m:oMath xmlns:m="http://schemas.openxmlformats.org/officeDocument/2006/math">
+                      <m:sSub>
+                        <m:sSubPr>
+                          <m:ctrlPr>
+                            <a:rPr lang="en-GB" sz="1800" i="1" smtClean="0">
+                              <a:latin typeface="Cambria Math" panose="02040503050406030204" pitchFamily="18" charset="0"/>
+                            </a:rPr>
+                          </m:ctrlPr>
+                        </m:sSubPr>
+                        <m:e>
+                          <m:r>
+                            <a:rPr lang="en-US" sz="1800" i="1" smtClean="0">
+                              <a:latin typeface="Cambria Math" panose="02040503050406030204" pitchFamily="18" charset="0"/>
+                            </a:rPr>
+                            <m:t>µ</m:t>
+                          </m:r>
+                        </m:e>
+                        <m:sub>
+                          <m:r>
+                            <a:rPr lang="en-US" sz="1800" i="1">
+                              <a:latin typeface="Cambria Math" panose="02040503050406030204" pitchFamily="18" charset="0"/>
+                            </a:rPr>
+                            <m:t>𝑗</m:t>
+                          </m:r>
+                        </m:sub>
+                      </m:sSub>
+                    </m:oMath>
+                  </m:oMathPara>
+                </a14:m>
+                <a:endParaRPr lang="en-GB" dirty="0"/>
+              </a:p>
+            </p:txBody>
+          </p:sp>
+        </mc:Choice>
+        <mc:Fallback>
+          <p:sp>
+            <p:nvSpPr>
+              <p:cNvPr id="74" name="TextBox 73">
+                <a:extLst>
+                  <a:ext uri="{FF2B5EF4-FFF2-40B4-BE49-F238E27FC236}">
+                    <a16:creationId xmlns:a16="http://schemas.microsoft.com/office/drawing/2014/main" id="{5C2BD03B-0935-4E42-80D8-C5635C0CA9C8}"/>
+                  </a:ext>
+                </a:extLst>
+              </p:cNvPr>
+              <p:cNvSpPr txBox="1">
+                <a:spLocks noRot="1" noChangeAspect="1" noMove="1" noResize="1" noEditPoints="1" noAdjustHandles="1" noChangeArrowheads="1" noChangeShapeType="1" noTextEdit="1"/>
+              </p:cNvSpPr>
+              <p:nvPr/>
+            </p:nvSpPr>
+            <p:spPr>
+              <a:xfrm>
+                <a:off x="3281740" y="3709225"/>
+                <a:ext cx="449656" cy="391646"/>
+              </a:xfrm>
+              <a:prstGeom prst="rect">
+                <a:avLst/>
+              </a:prstGeom>
+              <a:blipFill>
+                <a:blip r:embed="rId11"/>
+                <a:stretch>
+                  <a:fillRect b="-7692"/>
+                </a:stretch>
+              </a:blipFill>
+            </p:spPr>
+            <p:txBody>
+              <a:bodyPr/>
+              <a:lstStyle/>
+              <a:p>
+                <a:r>
+                  <a:rPr lang="en-GB">
+                    <a:noFill/>
+                  </a:rPr>
+                  <a:t> </a:t>
+                </a:r>
+              </a:p>
+            </p:txBody>
+          </p:sp>
+        </mc:Fallback>
+      </mc:AlternateContent>
+      <mc:AlternateContent xmlns:mc="http://schemas.openxmlformats.org/markup-compatibility/2006">
+        <mc:Choice xmlns:a14="http://schemas.microsoft.com/office/drawing/2010/main" Requires="a14">
+          <p:sp>
+            <p:nvSpPr>
+              <p:cNvPr id="75" name="TextBox 74">
+                <a:extLst>
+                  <a:ext uri="{FF2B5EF4-FFF2-40B4-BE49-F238E27FC236}">
+                    <a16:creationId xmlns:a16="http://schemas.microsoft.com/office/drawing/2014/main" id="{B5D737FE-E342-4D05-B541-27CFDE53C90D}"/>
+                  </a:ext>
+                </a:extLst>
+              </p:cNvPr>
+              <p:cNvSpPr txBox="1"/>
+              <p:nvPr/>
+            </p:nvSpPr>
+            <p:spPr>
+              <a:xfrm>
+                <a:off x="3131520" y="3977933"/>
+                <a:ext cx="449656" cy="307777"/>
+              </a:xfrm>
+              <a:prstGeom prst="rect">
+                <a:avLst/>
+              </a:prstGeom>
+              <a:noFill/>
+            </p:spPr>
+            <p:txBody>
+              <a:bodyPr wrap="square">
+                <a:spAutoFit/>
+              </a:bodyPr>
+              <a:lstStyle/>
+              <a:p>
+                <a:pPr/>
+                <a14:m>
+                  <m:oMathPara xmlns:m="http://schemas.openxmlformats.org/officeDocument/2006/math">
+                    <m:oMathParaPr>
+                      <m:jc m:val="centerGroup"/>
+                    </m:oMathParaPr>
+                    <m:oMath xmlns:m="http://schemas.openxmlformats.org/officeDocument/2006/math">
+                      <m:r>
+                        <a:rPr lang="en-GB" sz="1400" b="0" i="1" smtClean="0">
+                          <a:latin typeface="Cambria Math" panose="02040503050406030204" pitchFamily="18" charset="0"/>
+                        </a:rPr>
+                        <m:t>𝑛𝑜𝑟𝑚𝑎𝑙</m:t>
+                      </m:r>
+                    </m:oMath>
+                  </m:oMathPara>
+                </a14:m>
+                <a:endParaRPr lang="en-GB" sz="1400" dirty="0"/>
+              </a:p>
+            </p:txBody>
+          </p:sp>
+        </mc:Choice>
+        <mc:Fallback>
+          <p:sp>
+            <p:nvSpPr>
+              <p:cNvPr id="75" name="TextBox 74">
+                <a:extLst>
+                  <a:ext uri="{FF2B5EF4-FFF2-40B4-BE49-F238E27FC236}">
+                    <a16:creationId xmlns:a16="http://schemas.microsoft.com/office/drawing/2014/main" id="{B5D737FE-E342-4D05-B541-27CFDE53C90D}"/>
+                  </a:ext>
+                </a:extLst>
+              </p:cNvPr>
+              <p:cNvSpPr txBox="1">
+                <a:spLocks noRot="1" noChangeAspect="1" noMove="1" noResize="1" noEditPoints="1" noAdjustHandles="1" noChangeArrowheads="1" noChangeShapeType="1" noTextEdit="1"/>
+              </p:cNvSpPr>
+              <p:nvPr/>
+            </p:nvSpPr>
+            <p:spPr>
+              <a:xfrm>
+                <a:off x="3131520" y="3977933"/>
+                <a:ext cx="449656" cy="307777"/>
+              </a:xfrm>
+              <a:prstGeom prst="rect">
+                <a:avLst/>
+              </a:prstGeom>
+              <a:blipFill>
+                <a:blip r:embed="rId12"/>
+                <a:stretch>
+                  <a:fillRect r="-64384"/>
+                </a:stretch>
+              </a:blipFill>
+            </p:spPr>
+            <p:txBody>
+              <a:bodyPr/>
+              <a:lstStyle/>
+              <a:p>
+                <a:r>
+                  <a:rPr lang="en-GB">
+                    <a:noFill/>
+                  </a:rPr>
+                  <a:t> </a:t>
+                </a:r>
+              </a:p>
+            </p:txBody>
+          </p:sp>
+        </mc:Fallback>
+      </mc:AlternateContent>
+      <p:sp>
+        <p:nvSpPr>
+          <p:cNvPr id="76" name="TextBox 75">
+            <a:extLst>
+              <a:ext uri="{FF2B5EF4-FFF2-40B4-BE49-F238E27FC236}">
+                <a16:creationId xmlns:a16="http://schemas.microsoft.com/office/drawing/2014/main" id="{3FA1A03D-9045-42B4-B657-FE0A539469E7}"/>
+              </a:ext>
+            </a:extLst>
+          </p:cNvPr>
+          <p:cNvSpPr txBox="1"/>
+          <p:nvPr/>
+        </p:nvSpPr>
+        <p:spPr>
+          <a:xfrm>
+            <a:off x="3727668" y="3679686"/>
+            <a:ext cx="484396" cy="369332"/>
+          </a:xfrm>
+          <a:prstGeom prst="rect">
+            <a:avLst/>
+          </a:prstGeom>
+          <a:noFill/>
+        </p:spPr>
+        <p:txBody>
+          <a:bodyPr wrap="square">
+            <a:spAutoFit/>
+          </a:bodyPr>
+          <a:lstStyle/>
+          <a:p>
+            <a:pPr/>
+            <a:r>
+              <a:rPr lang="el-GR" dirty="0"/>
+              <a:t>σ</a:t>
+            </a:r>
+            <a:r>
+              <a:rPr lang="en-GB" baseline="-25000" dirty="0"/>
+              <a:t>j</a:t>
+            </a:r>
+            <a:endParaRPr lang="en-GB" dirty="0"/>
+          </a:p>
+        </p:txBody>
+      </p:sp>
+      <p:cxnSp>
+        <p:nvCxnSpPr>
+          <p:cNvPr id="78" name="Straight Arrow Connector 77">
+            <a:extLst>
+              <a:ext uri="{FF2B5EF4-FFF2-40B4-BE49-F238E27FC236}">
+                <a16:creationId xmlns:a16="http://schemas.microsoft.com/office/drawing/2014/main" id="{65F24987-E142-4C01-98D8-DB1E87F031E8}"/>
+              </a:ext>
+            </a:extLst>
+          </p:cNvPr>
+          <p:cNvCxnSpPr>
+            <a:cxnSpLocks/>
+          </p:cNvCxnSpPr>
+          <p:nvPr/>
+        </p:nvCxnSpPr>
+        <p:spPr>
+          <a:xfrm>
+            <a:off x="3469263" y="4221784"/>
+            <a:ext cx="5687" cy="516471"/>
+          </a:xfrm>
+          <a:prstGeom prst="straightConnector1">
+            <a:avLst/>
+          </a:prstGeom>
+          <a:ln w="12700">
+            <a:solidFill>
+              <a:schemeClr val="tx1"/>
+            </a:solidFill>
+            <a:tailEnd type="triangle"/>
+          </a:ln>
+        </p:spPr>
+        <p:style>
+          <a:lnRef idx="1">
+            <a:schemeClr val="accent1"/>
+          </a:lnRef>
+          <a:fillRef idx="0">
+            <a:schemeClr val="accent1"/>
+          </a:fillRef>
+          <a:effectRef idx="0">
+            <a:schemeClr val="accent1"/>
+          </a:effectRef>
+          <a:fontRef idx="minor">
+            <a:schemeClr val="tx1"/>
+          </a:fontRef>
+        </p:style>
+      </p:cxnSp>
+      <mc:AlternateContent xmlns:mc="http://schemas.openxmlformats.org/markup-compatibility/2006">
+        <mc:Choice xmlns:a14="http://schemas.microsoft.com/office/drawing/2010/main" Requires="a14">
+          <p:sp>
+            <p:nvSpPr>
+              <p:cNvPr id="79" name="TextBox 78">
+                <a:extLst>
+                  <a:ext uri="{FF2B5EF4-FFF2-40B4-BE49-F238E27FC236}">
+                    <a16:creationId xmlns:a16="http://schemas.microsoft.com/office/drawing/2014/main" id="{1C758330-22C1-4149-95B2-EFA84444AC93}"/>
+                  </a:ext>
+                </a:extLst>
+              </p:cNvPr>
+              <p:cNvSpPr txBox="1"/>
+              <p:nvPr/>
+            </p:nvSpPr>
+            <p:spPr>
+              <a:xfrm>
+                <a:off x="3153092" y="4251323"/>
+                <a:ext cx="316172" cy="369332"/>
+              </a:xfrm>
+              <a:prstGeom prst="rect">
+                <a:avLst/>
+              </a:prstGeom>
+              <a:noFill/>
+            </p:spPr>
+            <p:txBody>
+              <a:bodyPr wrap="square">
+                <a:spAutoFit/>
+              </a:bodyPr>
+              <a:lstStyle/>
+              <a:p>
+                <a:pPr/>
+                <a14:m>
+                  <m:oMathPara xmlns:m="http://schemas.openxmlformats.org/officeDocument/2006/math">
+                    <m:oMathParaPr>
+                      <m:jc m:val="centerGroup"/>
+                    </m:oMathParaPr>
+                    <m:oMath xmlns:m="http://schemas.openxmlformats.org/officeDocument/2006/math">
+                      <m:r>
+                        <a:rPr lang="en-GB" b="0" i="1" smtClean="0">
+                          <a:latin typeface="Cambria Math" panose="02040503050406030204" pitchFamily="18" charset="0"/>
+                        </a:rPr>
+                        <m:t>~</m:t>
+                      </m:r>
+                    </m:oMath>
+                  </m:oMathPara>
+                </a14:m>
+                <a:endParaRPr lang="en-GB" dirty="0"/>
+              </a:p>
+            </p:txBody>
+          </p:sp>
+        </mc:Choice>
+        <mc:Fallback>
+          <p:sp>
+            <p:nvSpPr>
+              <p:cNvPr id="79" name="TextBox 78">
+                <a:extLst>
+                  <a:ext uri="{FF2B5EF4-FFF2-40B4-BE49-F238E27FC236}">
+                    <a16:creationId xmlns:a16="http://schemas.microsoft.com/office/drawing/2014/main" id="{1C758330-22C1-4149-95B2-EFA84444AC93}"/>
+                  </a:ext>
+                </a:extLst>
+              </p:cNvPr>
+              <p:cNvSpPr txBox="1">
+                <a:spLocks noRot="1" noChangeAspect="1" noMove="1" noResize="1" noEditPoints="1" noAdjustHandles="1" noChangeArrowheads="1" noChangeShapeType="1" noTextEdit="1"/>
+              </p:cNvSpPr>
+              <p:nvPr/>
+            </p:nvSpPr>
+            <p:spPr>
+              <a:xfrm>
+                <a:off x="3153092" y="4251323"/>
+                <a:ext cx="316172" cy="369332"/>
+              </a:xfrm>
+              <a:prstGeom prst="rect">
+                <a:avLst/>
+              </a:prstGeom>
+              <a:blipFill>
+                <a:blip r:embed="rId13"/>
+                <a:stretch>
+                  <a:fillRect/>
+                </a:stretch>
+              </a:blipFill>
+            </p:spPr>
+            <p:txBody>
+              <a:bodyPr/>
+              <a:lstStyle/>
+              <a:p>
+                <a:r>
+                  <a:rPr lang="en-GB">
+                    <a:noFill/>
+                  </a:rPr>
+                  <a:t> </a:t>
+                </a:r>
+              </a:p>
+            </p:txBody>
+          </p:sp>
+        </mc:Fallback>
+      </mc:AlternateContent>
+      <mc:AlternateContent xmlns:mc="http://schemas.openxmlformats.org/markup-compatibility/2006">
+        <mc:Choice xmlns:a14="http://schemas.microsoft.com/office/drawing/2010/main" Requires="a14">
+          <p:sp>
+            <p:nvSpPr>
+              <p:cNvPr id="82" name="TextBox 81">
+                <a:extLst>
+                  <a:ext uri="{FF2B5EF4-FFF2-40B4-BE49-F238E27FC236}">
+                    <a16:creationId xmlns:a16="http://schemas.microsoft.com/office/drawing/2014/main" id="{071C04CA-E908-453D-A7F9-1B978311D675}"/>
+                  </a:ext>
+                </a:extLst>
+              </p:cNvPr>
+              <p:cNvSpPr txBox="1"/>
+              <p:nvPr/>
+            </p:nvSpPr>
+            <p:spPr>
+              <a:xfrm>
+                <a:off x="2873444" y="4740122"/>
+                <a:ext cx="619869" cy="325089"/>
+              </a:xfrm>
+              <a:prstGeom prst="rect">
+                <a:avLst/>
+              </a:prstGeom>
+              <a:noFill/>
+            </p:spPr>
+            <p:txBody>
+              <a:bodyPr wrap="square">
+                <a:spAutoFit/>
+              </a:bodyPr>
+              <a:lstStyle/>
+              <a:p>
+                <a:pPr/>
+                <a14:m>
+                  <m:oMathPara xmlns:m="http://schemas.openxmlformats.org/officeDocument/2006/math">
+                    <m:oMathParaPr>
+                      <m:jc m:val="centerGroup"/>
+                    </m:oMathParaPr>
+                    <m:oMath xmlns:m="http://schemas.openxmlformats.org/officeDocument/2006/math">
+                      <m:sSub>
+                        <m:sSubPr>
+                          <m:ctrlPr>
+                            <a:rPr lang="en-GB" sz="1400" i="1" smtClean="0">
+                              <a:solidFill>
+                                <a:srgbClr val="836967"/>
+                              </a:solidFill>
+                              <a:latin typeface="Cambria Math" panose="02040503050406030204" pitchFamily="18" charset="0"/>
+                            </a:rPr>
+                          </m:ctrlPr>
+                        </m:sSubPr>
+                        <m:e>
+                          <m:r>
+                            <a:rPr lang="en-GB" sz="1400" i="1">
+                              <a:latin typeface="Cambria Math" panose="02040503050406030204" pitchFamily="18" charset="0"/>
+                            </a:rPr>
+                            <m:t>𝑡</m:t>
+                          </m:r>
+                          <m:r>
+                            <a:rPr lang="en-GB" sz="1400" b="0" i="1" smtClean="0">
+                              <a:latin typeface="Cambria Math" panose="02040503050406030204" pitchFamily="18" charset="0"/>
+                            </a:rPr>
+                            <m:t>𝑒𝑚𝑝𝑒𝑟𝑎𝑡𝑢𝑟𝑒</m:t>
+                          </m:r>
+                        </m:e>
+                        <m:sub>
+                          <m:r>
+                            <a:rPr lang="en-GB" sz="1400" i="1">
+                              <a:latin typeface="Cambria Math" panose="02040503050406030204" pitchFamily="18" charset="0"/>
+                            </a:rPr>
+                            <m:t>𝑖</m:t>
+                          </m:r>
+                          <m:r>
+                            <a:rPr lang="en-GB" sz="1400" i="0">
+                              <a:latin typeface="Cambria Math" panose="02040503050406030204" pitchFamily="18" charset="0"/>
+                            </a:rPr>
+                            <m:t>,</m:t>
+                          </m:r>
+                          <m:r>
+                            <a:rPr lang="en-GB" sz="1400" i="1">
+                              <a:latin typeface="Cambria Math" panose="02040503050406030204" pitchFamily="18" charset="0"/>
+                            </a:rPr>
+                            <m:t>𝑗</m:t>
+                          </m:r>
+                        </m:sub>
+                      </m:sSub>
+                    </m:oMath>
+                  </m:oMathPara>
+                </a14:m>
+                <a:endParaRPr lang="en-GB" sz="1400" dirty="0"/>
+              </a:p>
+            </p:txBody>
+          </p:sp>
+        </mc:Choice>
+        <mc:Fallback>
+          <p:sp>
+            <p:nvSpPr>
+              <p:cNvPr id="82" name="TextBox 81">
+                <a:extLst>
+                  <a:ext uri="{FF2B5EF4-FFF2-40B4-BE49-F238E27FC236}">
+                    <a16:creationId xmlns:a16="http://schemas.microsoft.com/office/drawing/2014/main" id="{071C04CA-E908-453D-A7F9-1B978311D675}"/>
+                  </a:ext>
+                </a:extLst>
+              </p:cNvPr>
+              <p:cNvSpPr txBox="1">
+                <a:spLocks noRot="1" noChangeAspect="1" noMove="1" noResize="1" noEditPoints="1" noAdjustHandles="1" noChangeArrowheads="1" noChangeShapeType="1" noTextEdit="1"/>
+              </p:cNvSpPr>
+              <p:nvPr/>
+            </p:nvSpPr>
+            <p:spPr>
+              <a:xfrm>
+                <a:off x="2873444" y="4740122"/>
+                <a:ext cx="619869" cy="325089"/>
+              </a:xfrm>
+              <a:prstGeom prst="rect">
+                <a:avLst/>
+              </a:prstGeom>
+              <a:blipFill>
+                <a:blip r:embed="rId14"/>
+                <a:stretch>
+                  <a:fillRect r="-110784" b="-3774"/>
+                </a:stretch>
+              </a:blipFill>
+            </p:spPr>
+            <p:txBody>
+              <a:bodyPr/>
+              <a:lstStyle/>
+              <a:p>
+                <a:r>
+                  <a:rPr lang="en-GB">
+                    <a:noFill/>
+                  </a:rPr>
+                  <a:t> </a:t>
+                </a:r>
+              </a:p>
+            </p:txBody>
+          </p:sp>
+        </mc:Fallback>
+      </mc:AlternateContent>
+      <mc:AlternateContent xmlns:mc="http://schemas.openxmlformats.org/markup-compatibility/2006">
+        <mc:Choice xmlns:a14="http://schemas.microsoft.com/office/drawing/2010/main" Requires="a14">
+          <p:sp>
+            <p:nvSpPr>
+              <p:cNvPr id="83" name="TextBox 82">
+                <a:extLst>
+                  <a:ext uri="{FF2B5EF4-FFF2-40B4-BE49-F238E27FC236}">
+                    <a16:creationId xmlns:a16="http://schemas.microsoft.com/office/drawing/2014/main" id="{C4B9B355-8227-47DF-91E4-2149D0D6FAF6}"/>
+                  </a:ext>
+                </a:extLst>
+              </p:cNvPr>
+              <p:cNvSpPr txBox="1"/>
+              <p:nvPr/>
+            </p:nvSpPr>
+            <p:spPr>
+              <a:xfrm>
+                <a:off x="3444662" y="4265097"/>
+                <a:ext cx="316172" cy="369332"/>
+              </a:xfrm>
+              <a:prstGeom prst="rect">
+                <a:avLst/>
+              </a:prstGeom>
+              <a:noFill/>
+            </p:spPr>
+            <p:txBody>
+              <a:bodyPr wrap="square">
+                <a:spAutoFit/>
+              </a:bodyPr>
+              <a:lstStyle/>
+              <a:p>
+                <a:pPr/>
+                <a14:m>
+                  <m:oMathPara xmlns:m="http://schemas.openxmlformats.org/officeDocument/2006/math">
+                    <m:oMathParaPr>
+                      <m:jc m:val="centerGroup"/>
+                    </m:oMathParaPr>
+                    <m:oMath xmlns:m="http://schemas.openxmlformats.org/officeDocument/2006/math">
+                      <m:r>
+                        <a:rPr lang="en-GB" b="0" i="1" smtClean="0">
+                          <a:latin typeface="Cambria Math" panose="02040503050406030204" pitchFamily="18" charset="0"/>
+                        </a:rPr>
+                        <m:t>𝑖</m:t>
+                      </m:r>
+                    </m:oMath>
+                  </m:oMathPara>
+                </a14:m>
+                <a:endParaRPr lang="en-GB" dirty="0"/>
+              </a:p>
+            </p:txBody>
+          </p:sp>
+        </mc:Choice>
+        <mc:Fallback>
+          <p:sp>
+            <p:nvSpPr>
+              <p:cNvPr id="83" name="TextBox 82">
+                <a:extLst>
+                  <a:ext uri="{FF2B5EF4-FFF2-40B4-BE49-F238E27FC236}">
+                    <a16:creationId xmlns:a16="http://schemas.microsoft.com/office/drawing/2014/main" id="{C4B9B355-8227-47DF-91E4-2149D0D6FAF6}"/>
+                  </a:ext>
+                </a:extLst>
+              </p:cNvPr>
+              <p:cNvSpPr txBox="1">
+                <a:spLocks noRot="1" noChangeAspect="1" noMove="1" noResize="1" noEditPoints="1" noAdjustHandles="1" noChangeArrowheads="1" noChangeShapeType="1" noTextEdit="1"/>
+              </p:cNvSpPr>
+              <p:nvPr/>
+            </p:nvSpPr>
+            <p:spPr>
+              <a:xfrm>
+                <a:off x="3444662" y="4265097"/>
+                <a:ext cx="316172" cy="369332"/>
+              </a:xfrm>
+              <a:prstGeom prst="rect">
+                <a:avLst/>
+              </a:prstGeom>
+              <a:blipFill>
+                <a:blip r:embed="rId15"/>
+                <a:stretch>
+                  <a:fillRect/>
+                </a:stretch>
+              </a:blipFill>
+            </p:spPr>
+            <p:txBody>
+              <a:bodyPr/>
+              <a:lstStyle/>
+              <a:p>
+                <a:r>
+                  <a:rPr lang="en-GB">
+                    <a:noFill/>
+                  </a:rPr>
+                  <a:t> </a:t>
+                </a:r>
+              </a:p>
+            </p:txBody>
+          </p:sp>
+        </mc:Fallback>
+      </mc:AlternateContent>
+      <mc:AlternateContent xmlns:mc="http://schemas.openxmlformats.org/markup-compatibility/2006">
+        <mc:Choice xmlns:a14="http://schemas.microsoft.com/office/drawing/2010/main" Requires="a14">
+          <p:sp>
+            <p:nvSpPr>
+              <p:cNvPr id="84" name="TextBox 83">
+                <a:extLst>
+                  <a:ext uri="{FF2B5EF4-FFF2-40B4-BE49-F238E27FC236}">
+                    <a16:creationId xmlns:a16="http://schemas.microsoft.com/office/drawing/2014/main" id="{172F331A-4E2F-4FEC-B28A-D92535FD1224}"/>
+                  </a:ext>
+                </a:extLst>
+              </p:cNvPr>
+              <p:cNvSpPr txBox="1"/>
+              <p:nvPr/>
+            </p:nvSpPr>
+            <p:spPr>
+              <a:xfrm>
+                <a:off x="3973084" y="2334178"/>
+                <a:ext cx="316172" cy="369332"/>
+              </a:xfrm>
+              <a:prstGeom prst="rect">
+                <a:avLst/>
+              </a:prstGeom>
+              <a:noFill/>
+            </p:spPr>
+            <p:txBody>
+              <a:bodyPr wrap="square">
+                <a:spAutoFit/>
+              </a:bodyPr>
+              <a:lstStyle/>
+              <a:p>
+                <a:pPr/>
+                <a14:m>
+                  <m:oMathPara xmlns:m="http://schemas.openxmlformats.org/officeDocument/2006/math">
+                    <m:oMathParaPr>
+                      <m:jc m:val="centerGroup"/>
+                    </m:oMathParaPr>
+                    <m:oMath xmlns:m="http://schemas.openxmlformats.org/officeDocument/2006/math">
+                      <m:r>
+                        <a:rPr lang="en-GB" b="0" i="1" smtClean="0">
+                          <a:latin typeface="Cambria Math" panose="02040503050406030204" pitchFamily="18" charset="0"/>
+                        </a:rPr>
+                        <m:t>𝑗</m:t>
+                      </m:r>
+                    </m:oMath>
+                  </m:oMathPara>
+                </a14:m>
+                <a:endParaRPr lang="en-GB" dirty="0"/>
+              </a:p>
+            </p:txBody>
+          </p:sp>
+        </mc:Choice>
+        <mc:Fallback>
+          <p:sp>
+            <p:nvSpPr>
+              <p:cNvPr id="84" name="TextBox 83">
+                <a:extLst>
+                  <a:ext uri="{FF2B5EF4-FFF2-40B4-BE49-F238E27FC236}">
+                    <a16:creationId xmlns:a16="http://schemas.microsoft.com/office/drawing/2014/main" id="{172F331A-4E2F-4FEC-B28A-D92535FD1224}"/>
+                  </a:ext>
+                </a:extLst>
+              </p:cNvPr>
+              <p:cNvSpPr txBox="1">
+                <a:spLocks noRot="1" noChangeAspect="1" noMove="1" noResize="1" noEditPoints="1" noAdjustHandles="1" noChangeArrowheads="1" noChangeShapeType="1" noTextEdit="1"/>
+              </p:cNvSpPr>
+              <p:nvPr/>
+            </p:nvSpPr>
+            <p:spPr>
+              <a:xfrm>
+                <a:off x="3973084" y="2334178"/>
+                <a:ext cx="316172" cy="369332"/>
+              </a:xfrm>
+              <a:prstGeom prst="rect">
+                <a:avLst/>
+              </a:prstGeom>
+              <a:blipFill>
+                <a:blip r:embed="rId16"/>
+                <a:stretch>
+                  <a:fillRect b="-13333"/>
+                </a:stretch>
+              </a:blipFill>
+            </p:spPr>
+            <p:txBody>
+              <a:bodyPr/>
+              <a:lstStyle/>
+              <a:p>
+                <a:r>
+                  <a:rPr lang="en-GB">
+                    <a:noFill/>
+                  </a:rPr>
+                  <a:t> </a:t>
+                </a:r>
+              </a:p>
+            </p:txBody>
+          </p:sp>
+        </mc:Fallback>
+      </mc:AlternateContent>
+      <mc:AlternateContent xmlns:mc="http://schemas.openxmlformats.org/markup-compatibility/2006">
+        <mc:Choice xmlns:a14="http://schemas.microsoft.com/office/drawing/2010/main" Requires="a14">
+          <p:sp>
+            <p:nvSpPr>
+              <p:cNvPr id="85" name="TextBox 84">
+                <a:extLst>
+                  <a:ext uri="{FF2B5EF4-FFF2-40B4-BE49-F238E27FC236}">
+                    <a16:creationId xmlns:a16="http://schemas.microsoft.com/office/drawing/2014/main" id="{9ABE13AA-8040-4771-8565-9995B498B466}"/>
+                  </a:ext>
+                </a:extLst>
+              </p:cNvPr>
+              <p:cNvSpPr txBox="1"/>
+              <p:nvPr/>
+            </p:nvSpPr>
+            <p:spPr>
+              <a:xfrm>
+                <a:off x="3438826" y="3191435"/>
+                <a:ext cx="316172" cy="369332"/>
+              </a:xfrm>
+              <a:prstGeom prst="rect">
+                <a:avLst/>
+              </a:prstGeom>
+              <a:noFill/>
+            </p:spPr>
+            <p:txBody>
+              <a:bodyPr wrap="square">
+                <a:spAutoFit/>
+              </a:bodyPr>
+              <a:lstStyle/>
+              <a:p>
+                <a:pPr/>
+                <a14:m>
+                  <m:oMathPara xmlns:m="http://schemas.openxmlformats.org/officeDocument/2006/math">
+                    <m:oMathParaPr>
+                      <m:jc m:val="centerGroup"/>
+                    </m:oMathParaPr>
+                    <m:oMath xmlns:m="http://schemas.openxmlformats.org/officeDocument/2006/math">
+                      <m:r>
+                        <a:rPr lang="en-GB" b="0" i="1" smtClean="0">
+                          <a:latin typeface="Cambria Math" panose="02040503050406030204" pitchFamily="18" charset="0"/>
+                        </a:rPr>
+                        <m:t>𝑗</m:t>
+                      </m:r>
+                    </m:oMath>
+                  </m:oMathPara>
+                </a14:m>
+                <a:endParaRPr lang="en-GB" dirty="0"/>
+              </a:p>
+            </p:txBody>
+          </p:sp>
+        </mc:Choice>
+        <mc:Fallback>
+          <p:sp>
+            <p:nvSpPr>
+              <p:cNvPr id="85" name="TextBox 84">
+                <a:extLst>
+                  <a:ext uri="{FF2B5EF4-FFF2-40B4-BE49-F238E27FC236}">
+                    <a16:creationId xmlns:a16="http://schemas.microsoft.com/office/drawing/2014/main" id="{9ABE13AA-8040-4771-8565-9995B498B466}"/>
+                  </a:ext>
+                </a:extLst>
+              </p:cNvPr>
+              <p:cNvSpPr txBox="1">
+                <a:spLocks noRot="1" noChangeAspect="1" noMove="1" noResize="1" noEditPoints="1" noAdjustHandles="1" noChangeArrowheads="1" noChangeShapeType="1" noTextEdit="1"/>
+              </p:cNvSpPr>
+              <p:nvPr/>
+            </p:nvSpPr>
+            <p:spPr>
+              <a:xfrm>
+                <a:off x="3438826" y="3191435"/>
+                <a:ext cx="316172" cy="369332"/>
+              </a:xfrm>
+              <a:prstGeom prst="rect">
+                <a:avLst/>
+              </a:prstGeom>
+              <a:blipFill>
+                <a:blip r:embed="rId17"/>
+                <a:stretch>
+                  <a:fillRect b="-13333"/>
+                </a:stretch>
+              </a:blipFill>
+            </p:spPr>
+            <p:txBody>
+              <a:bodyPr/>
+              <a:lstStyle/>
+              <a:p>
+                <a:r>
+                  <a:rPr lang="en-GB">
+                    <a:noFill/>
+                  </a:rPr>
+                  <a:t> </a:t>
+                </a:r>
+              </a:p>
+            </p:txBody>
+          </p:sp>
+        </mc:Fallback>
+      </mc:AlternateContent>
+      <mc:AlternateContent xmlns:mc="http://schemas.openxmlformats.org/markup-compatibility/2006">
+        <mc:Choice xmlns:a14="http://schemas.microsoft.com/office/drawing/2010/main" Requires="a14">
+          <p:sp>
+            <p:nvSpPr>
+              <p:cNvPr id="89" name="TextBox 88">
+                <a:extLst>
+                  <a:ext uri="{FF2B5EF4-FFF2-40B4-BE49-F238E27FC236}">
+                    <a16:creationId xmlns:a16="http://schemas.microsoft.com/office/drawing/2014/main" id="{2830A46E-840F-4DE5-A47A-4400C91A9768}"/>
+                  </a:ext>
+                </a:extLst>
+              </p:cNvPr>
+              <p:cNvSpPr txBox="1"/>
+              <p:nvPr/>
+            </p:nvSpPr>
+            <p:spPr>
+              <a:xfrm>
+                <a:off x="5352342" y="1008712"/>
+                <a:ext cx="1369271" cy="261610"/>
+              </a:xfrm>
+              <a:prstGeom prst="rect">
+                <a:avLst/>
+              </a:prstGeom>
+              <a:noFill/>
+            </p:spPr>
+            <p:txBody>
+              <a:bodyPr wrap="square">
+                <a:spAutoFit/>
+              </a:bodyPr>
+              <a:lstStyle/>
+              <a:p>
+                <a:pPr/>
+                <a14:m>
+                  <m:oMathPara xmlns:m="http://schemas.openxmlformats.org/officeDocument/2006/math">
+                    <m:oMathParaPr>
+                      <m:jc m:val="centerGroup"/>
+                    </m:oMathParaPr>
+                    <m:oMath xmlns:m="http://schemas.openxmlformats.org/officeDocument/2006/math">
+                      <m:r>
+                        <a:rPr lang="en-GB" sz="1100" b="0" i="1" smtClean="0">
+                          <a:latin typeface="Cambria Math" panose="02040503050406030204" pitchFamily="18" charset="0"/>
+                        </a:rPr>
+                        <m:t>𝑖𝑛𝑣</m:t>
+                      </m:r>
+                      <m:r>
+                        <a:rPr lang="en-GB" sz="1100" b="0" i="1" smtClean="0">
+                          <a:latin typeface="Cambria Math" panose="02040503050406030204" pitchFamily="18" charset="0"/>
+                        </a:rPr>
+                        <m:t>−</m:t>
+                      </m:r>
+                      <m:r>
+                        <a:rPr lang="en-GB" sz="1100" b="0" i="1" smtClean="0">
+                          <a:latin typeface="Cambria Math" panose="02040503050406030204" pitchFamily="18" charset="0"/>
+                        </a:rPr>
+                        <m:t>𝑔𝑎𝑚𝑚𝑎</m:t>
+                      </m:r>
+                    </m:oMath>
+                  </m:oMathPara>
+                </a14:m>
+                <a:endParaRPr lang="en-GB" sz="1100" dirty="0"/>
+              </a:p>
+            </p:txBody>
+          </p:sp>
+        </mc:Choice>
+        <mc:Fallback>
+          <p:sp>
+            <p:nvSpPr>
+              <p:cNvPr id="89" name="TextBox 88">
+                <a:extLst>
+                  <a:ext uri="{FF2B5EF4-FFF2-40B4-BE49-F238E27FC236}">
+                    <a16:creationId xmlns:a16="http://schemas.microsoft.com/office/drawing/2014/main" id="{2830A46E-840F-4DE5-A47A-4400C91A9768}"/>
+                  </a:ext>
+                </a:extLst>
+              </p:cNvPr>
+              <p:cNvSpPr txBox="1">
+                <a:spLocks noRot="1" noChangeAspect="1" noMove="1" noResize="1" noEditPoints="1" noAdjustHandles="1" noChangeArrowheads="1" noChangeShapeType="1" noTextEdit="1"/>
+              </p:cNvSpPr>
+              <p:nvPr/>
+            </p:nvSpPr>
+            <p:spPr>
+              <a:xfrm>
+                <a:off x="5352342" y="1008712"/>
+                <a:ext cx="1369271" cy="261610"/>
+              </a:xfrm>
+              <a:prstGeom prst="rect">
+                <a:avLst/>
+              </a:prstGeom>
+              <a:blipFill>
+                <a:blip r:embed="rId18"/>
+                <a:stretch>
+                  <a:fillRect/>
+                </a:stretch>
+              </a:blipFill>
+            </p:spPr>
+            <p:txBody>
+              <a:bodyPr/>
+              <a:lstStyle/>
+              <a:p>
+                <a:r>
+                  <a:rPr lang="en-GB">
+                    <a:noFill/>
+                  </a:rPr>
+                  <a:t> </a:t>
+                </a:r>
+              </a:p>
+            </p:txBody>
+          </p:sp>
+        </mc:Fallback>
+      </mc:AlternateContent>
+      <mc:AlternateContent xmlns:mc="http://schemas.openxmlformats.org/markup-compatibility/2006">
+        <mc:Choice xmlns:a14="http://schemas.microsoft.com/office/drawing/2010/main" Requires="a14">
+          <p:sp>
+            <p:nvSpPr>
+              <p:cNvPr id="90" name="TextBox 89">
+                <a:extLst>
+                  <a:ext uri="{FF2B5EF4-FFF2-40B4-BE49-F238E27FC236}">
+                    <a16:creationId xmlns:a16="http://schemas.microsoft.com/office/drawing/2014/main" id="{E1C164A7-80A0-4F48-A46E-C5B01FFE51D0}"/>
+                  </a:ext>
+                </a:extLst>
+              </p:cNvPr>
+              <p:cNvSpPr txBox="1"/>
+              <p:nvPr/>
+            </p:nvSpPr>
+            <p:spPr>
+              <a:xfrm>
+                <a:off x="6389056" y="1013371"/>
+                <a:ext cx="1369271" cy="261610"/>
+              </a:xfrm>
+              <a:prstGeom prst="rect">
+                <a:avLst/>
+              </a:prstGeom>
+              <a:noFill/>
+            </p:spPr>
+            <p:txBody>
+              <a:bodyPr wrap="square">
+                <a:spAutoFit/>
+              </a:bodyPr>
+              <a:lstStyle/>
+              <a:p>
+                <a:pPr/>
+                <a14:m>
+                  <m:oMathPara xmlns:m="http://schemas.openxmlformats.org/officeDocument/2006/math">
+                    <m:oMathParaPr>
+                      <m:jc m:val="centerGroup"/>
+                    </m:oMathParaPr>
+                    <m:oMath xmlns:m="http://schemas.openxmlformats.org/officeDocument/2006/math">
+                      <m:r>
+                        <a:rPr lang="en-GB" sz="1100" b="0" i="1" smtClean="0">
+                          <a:latin typeface="Cambria Math" panose="02040503050406030204" pitchFamily="18" charset="0"/>
+                        </a:rPr>
+                        <m:t>𝑖𝑛𝑣</m:t>
+                      </m:r>
+                      <m:r>
+                        <a:rPr lang="en-GB" sz="1100" b="0" i="1" smtClean="0">
+                          <a:latin typeface="Cambria Math" panose="02040503050406030204" pitchFamily="18" charset="0"/>
+                        </a:rPr>
+                        <m:t>−</m:t>
+                      </m:r>
+                      <m:r>
+                        <a:rPr lang="en-GB" sz="1100" b="0" i="1" smtClean="0">
+                          <a:latin typeface="Cambria Math" panose="02040503050406030204" pitchFamily="18" charset="0"/>
+                        </a:rPr>
+                        <m:t>𝑔𝑎𝑚𝑚𝑎</m:t>
+                      </m:r>
+                    </m:oMath>
+                  </m:oMathPara>
+                </a14:m>
+                <a:endParaRPr lang="en-GB" sz="1100" dirty="0"/>
+              </a:p>
+            </p:txBody>
+          </p:sp>
+        </mc:Choice>
+        <mc:Fallback>
+          <p:sp>
+            <p:nvSpPr>
+              <p:cNvPr id="90" name="TextBox 89">
+                <a:extLst>
+                  <a:ext uri="{FF2B5EF4-FFF2-40B4-BE49-F238E27FC236}">
+                    <a16:creationId xmlns:a16="http://schemas.microsoft.com/office/drawing/2014/main" id="{E1C164A7-80A0-4F48-A46E-C5B01FFE51D0}"/>
+                  </a:ext>
+                </a:extLst>
+              </p:cNvPr>
+              <p:cNvSpPr txBox="1">
+                <a:spLocks noRot="1" noChangeAspect="1" noMove="1" noResize="1" noEditPoints="1" noAdjustHandles="1" noChangeArrowheads="1" noChangeShapeType="1" noTextEdit="1"/>
+              </p:cNvSpPr>
+              <p:nvPr/>
+            </p:nvSpPr>
+            <p:spPr>
+              <a:xfrm>
+                <a:off x="6389056" y="1013371"/>
+                <a:ext cx="1369271" cy="261610"/>
+              </a:xfrm>
+              <a:prstGeom prst="rect">
+                <a:avLst/>
+              </a:prstGeom>
+              <a:blipFill>
+                <a:blip r:embed="rId18"/>
+                <a:stretch>
+                  <a:fillRect/>
+                </a:stretch>
+              </a:blipFill>
+            </p:spPr>
+            <p:txBody>
+              <a:bodyPr/>
+              <a:lstStyle/>
+              <a:p>
+                <a:r>
+                  <a:rPr lang="en-GB">
+                    <a:noFill/>
+                  </a:rPr>
+                  <a:t> </a:t>
+                </a:r>
+              </a:p>
+            </p:txBody>
+          </p:sp>
+        </mc:Fallback>
+      </mc:AlternateContent>
+      <p:sp>
+        <p:nvSpPr>
+          <p:cNvPr id="106" name="Arc 105">
+            <a:extLst>
+              <a:ext uri="{FF2B5EF4-FFF2-40B4-BE49-F238E27FC236}">
+                <a16:creationId xmlns:a16="http://schemas.microsoft.com/office/drawing/2014/main" id="{6A610573-9F04-4520-94B8-4FDAE9B36BC0}"/>
+              </a:ext>
+            </a:extLst>
+          </p:cNvPr>
+          <p:cNvSpPr/>
+          <p:nvPr/>
+        </p:nvSpPr>
+        <p:spPr>
+          <a:xfrm rot="5679965">
+            <a:off x="2690998" y="-410177"/>
+            <a:ext cx="3141128" cy="3416110"/>
+          </a:xfrm>
+          <a:prstGeom prst="arc">
+            <a:avLst>
+              <a:gd name="adj1" fmla="val 16200000"/>
+              <a:gd name="adj2" fmla="val 166862"/>
+            </a:avLst>
+          </a:prstGeom>
+          <a:ln w="12700">
+            <a:solidFill>
+              <a:schemeClr val="tx1"/>
+            </a:solidFill>
+            <a:tailEnd type="triangle"/>
+          </a:ln>
+        </p:spPr>
+        <p:style>
+          <a:lnRef idx="1">
+            <a:schemeClr val="accent1"/>
+          </a:lnRef>
+          <a:fillRef idx="0">
+            <a:schemeClr val="accent1"/>
+          </a:fillRef>
+          <a:effectRef idx="0">
+            <a:schemeClr val="accent1"/>
+          </a:effectRef>
+          <a:fontRef idx="minor">
+            <a:schemeClr val="tx1"/>
+          </a:fontRef>
+        </p:style>
+        <p:txBody>
+          <a:bodyPr rtlCol="0" anchor="ctr"/>
+          <a:lstStyle/>
+          <a:p>
+            <a:pPr algn="ctr"/>
+            <a:endParaRPr lang="en-GB"/>
+          </a:p>
+        </p:txBody>
+      </p:sp>
+      <p:sp>
+        <p:nvSpPr>
+          <p:cNvPr id="107" name="Arc 106">
+            <a:extLst>
+              <a:ext uri="{FF2B5EF4-FFF2-40B4-BE49-F238E27FC236}">
+                <a16:creationId xmlns:a16="http://schemas.microsoft.com/office/drawing/2014/main" id="{8D5D8525-D7A2-4460-8D69-405BDAC7ED73}"/>
+              </a:ext>
+            </a:extLst>
+          </p:cNvPr>
+          <p:cNvSpPr/>
+          <p:nvPr/>
+        </p:nvSpPr>
+        <p:spPr>
+          <a:xfrm rot="5679965">
+            <a:off x="1645352" y="-1525591"/>
+            <a:ext cx="5409563" cy="5444161"/>
+          </a:xfrm>
+          <a:prstGeom prst="arc">
+            <a:avLst>
+              <a:gd name="adj1" fmla="val 16200000"/>
+              <a:gd name="adj2" fmla="val 166862"/>
+            </a:avLst>
+          </a:prstGeom>
+          <a:ln w="12700">
+            <a:solidFill>
+              <a:schemeClr val="tx1"/>
+            </a:solidFill>
+            <a:tailEnd type="triangle"/>
+          </a:ln>
+        </p:spPr>
+        <p:style>
+          <a:lnRef idx="1">
+            <a:schemeClr val="accent1"/>
+          </a:lnRef>
+          <a:fillRef idx="0">
+            <a:schemeClr val="accent1"/>
+          </a:fillRef>
+          <a:effectRef idx="0">
+            <a:schemeClr val="accent1"/>
+          </a:effectRef>
+          <a:fontRef idx="minor">
+            <a:schemeClr val="tx1"/>
+          </a:fontRef>
+        </p:style>
+        <p:txBody>
+          <a:bodyPr rtlCol="0" anchor="ctr"/>
+          <a:lstStyle/>
+          <a:p>
+            <a:pPr algn="ctr"/>
+            <a:endParaRPr lang="en-GB"/>
+          </a:p>
+        </p:txBody>
+      </p:sp>
+      <p:sp>
+        <p:nvSpPr>
+          <p:cNvPr id="108" name="Arc 107">
+            <a:extLst>
+              <a:ext uri="{FF2B5EF4-FFF2-40B4-BE49-F238E27FC236}">
+                <a16:creationId xmlns:a16="http://schemas.microsoft.com/office/drawing/2014/main" id="{7D700B34-3BC1-48F0-9F10-6B7F9D0C0EAA}"/>
+              </a:ext>
+            </a:extLst>
+          </p:cNvPr>
+          <p:cNvSpPr/>
+          <p:nvPr/>
+        </p:nvSpPr>
+        <p:spPr>
+          <a:xfrm rot="6367195" flipV="1">
+            <a:off x="2295953" y="216450"/>
+            <a:ext cx="1503478" cy="1483124"/>
+          </a:xfrm>
+          <a:prstGeom prst="arc">
+            <a:avLst>
+              <a:gd name="adj1" fmla="val 13341745"/>
+              <a:gd name="adj2" fmla="val 817523"/>
+            </a:avLst>
+          </a:prstGeom>
+          <a:ln w="12700">
+            <a:solidFill>
+              <a:schemeClr val="tx1"/>
+            </a:solidFill>
+            <a:tailEnd type="triangle"/>
+          </a:ln>
+        </p:spPr>
+        <p:style>
+          <a:lnRef idx="1">
+            <a:schemeClr val="accent1"/>
+          </a:lnRef>
+          <a:fillRef idx="0">
+            <a:schemeClr val="accent1"/>
+          </a:fillRef>
+          <a:effectRef idx="0">
+            <a:schemeClr val="accent1"/>
+          </a:effectRef>
+          <a:fontRef idx="minor">
+            <a:schemeClr val="tx1"/>
+          </a:fontRef>
+        </p:style>
+        <p:txBody>
+          <a:bodyPr rtlCol="0" anchor="ctr"/>
+          <a:lstStyle/>
+          <a:p>
+            <a:pPr algn="ctr"/>
+            <a:endParaRPr lang="en-GB"/>
+          </a:p>
+        </p:txBody>
+      </p:sp>
+      <p:sp>
+        <p:nvSpPr>
+          <p:cNvPr id="109" name="Arc 108">
+            <a:extLst>
+              <a:ext uri="{FF2B5EF4-FFF2-40B4-BE49-F238E27FC236}">
+                <a16:creationId xmlns:a16="http://schemas.microsoft.com/office/drawing/2014/main" id="{686A58C7-8271-4A99-AE07-6AA3FB30826F}"/>
+              </a:ext>
+            </a:extLst>
+          </p:cNvPr>
+          <p:cNvSpPr/>
+          <p:nvPr/>
+        </p:nvSpPr>
+        <p:spPr>
+          <a:xfrm rot="5400000">
+            <a:off x="3620945" y="297232"/>
+            <a:ext cx="1623783" cy="1324477"/>
+          </a:xfrm>
+          <a:prstGeom prst="arc">
+            <a:avLst>
+              <a:gd name="adj1" fmla="val 13341745"/>
+              <a:gd name="adj2" fmla="val 166862"/>
+            </a:avLst>
+          </a:prstGeom>
+          <a:ln w="12700">
+            <a:solidFill>
+              <a:schemeClr val="tx1"/>
+            </a:solidFill>
+            <a:tailEnd type="triangle"/>
+          </a:ln>
+        </p:spPr>
+        <p:style>
+          <a:lnRef idx="1">
+            <a:schemeClr val="accent1"/>
+          </a:lnRef>
+          <a:fillRef idx="0">
+            <a:schemeClr val="accent1"/>
+          </a:fillRef>
+          <a:effectRef idx="0">
+            <a:schemeClr val="accent1"/>
+          </a:effectRef>
+          <a:fontRef idx="minor">
+            <a:schemeClr val="tx1"/>
+          </a:fontRef>
+        </p:style>
+        <p:txBody>
+          <a:bodyPr rtlCol="0" anchor="ctr"/>
+          <a:lstStyle/>
+          <a:p>
+            <a:pPr algn="ctr"/>
+            <a:endParaRPr lang="en-GB"/>
+          </a:p>
+        </p:txBody>
+      </p:sp>
+      <mc:AlternateContent xmlns:mc="http://schemas.openxmlformats.org/markup-compatibility/2006">
+        <mc:Choice xmlns:a14="http://schemas.microsoft.com/office/drawing/2010/main" Requires="a14">
+          <p:sp>
+            <p:nvSpPr>
+              <p:cNvPr id="123" name="TextBox 122">
+                <a:extLst>
+                  <a:ext uri="{FF2B5EF4-FFF2-40B4-BE49-F238E27FC236}">
+                    <a16:creationId xmlns:a16="http://schemas.microsoft.com/office/drawing/2014/main" id="{DFA100BD-CA78-47B4-8F17-174325BE744C}"/>
+                  </a:ext>
+                </a:extLst>
+              </p:cNvPr>
+              <p:cNvSpPr txBox="1"/>
+              <p:nvPr/>
+            </p:nvSpPr>
+            <p:spPr>
+              <a:xfrm>
+                <a:off x="3081350" y="1400881"/>
+                <a:ext cx="316172" cy="369332"/>
+              </a:xfrm>
+              <a:prstGeom prst="rect">
+                <a:avLst/>
+              </a:prstGeom>
+              <a:noFill/>
+            </p:spPr>
+            <p:txBody>
+              <a:bodyPr wrap="square">
+                <a:spAutoFit/>
+              </a:bodyPr>
+              <a:lstStyle/>
+              <a:p>
+                <a:pPr/>
+                <a14:m>
+                  <m:oMathPara xmlns:m="http://schemas.openxmlformats.org/officeDocument/2006/math">
+                    <m:oMathParaPr>
+                      <m:jc m:val="centerGroup"/>
+                    </m:oMathParaPr>
+                    <m:oMath xmlns:m="http://schemas.openxmlformats.org/officeDocument/2006/math">
+                      <m:r>
+                        <a:rPr lang="en-GB" b="0" i="1" smtClean="0">
+                          <a:latin typeface="Cambria Math" panose="02040503050406030204" pitchFamily="18" charset="0"/>
+                        </a:rPr>
+                        <m:t>~</m:t>
+                      </m:r>
+                    </m:oMath>
+                  </m:oMathPara>
+                </a14:m>
+                <a:endParaRPr lang="en-GB" dirty="0"/>
+              </a:p>
+            </p:txBody>
+          </p:sp>
+        </mc:Choice>
+        <mc:Fallback>
+          <p:sp>
+            <p:nvSpPr>
+              <p:cNvPr id="123" name="TextBox 122">
+                <a:extLst>
+                  <a:ext uri="{FF2B5EF4-FFF2-40B4-BE49-F238E27FC236}">
+                    <a16:creationId xmlns:a16="http://schemas.microsoft.com/office/drawing/2014/main" id="{DFA100BD-CA78-47B4-8F17-174325BE744C}"/>
+                  </a:ext>
+                </a:extLst>
+              </p:cNvPr>
+              <p:cNvSpPr txBox="1">
+                <a:spLocks noRot="1" noChangeAspect="1" noMove="1" noResize="1" noEditPoints="1" noAdjustHandles="1" noChangeArrowheads="1" noChangeShapeType="1" noTextEdit="1"/>
+              </p:cNvSpPr>
+              <p:nvPr/>
+            </p:nvSpPr>
+            <p:spPr>
+              <a:xfrm>
+                <a:off x="3081350" y="1400881"/>
+                <a:ext cx="316172" cy="369332"/>
+              </a:xfrm>
+              <a:prstGeom prst="rect">
+                <a:avLst/>
+              </a:prstGeom>
+              <a:blipFill>
+                <a:blip r:embed="rId19"/>
+                <a:stretch>
+                  <a:fillRect/>
+                </a:stretch>
+              </a:blipFill>
+            </p:spPr>
+            <p:txBody>
+              <a:bodyPr/>
+              <a:lstStyle/>
+              <a:p>
+                <a:r>
+                  <a:rPr lang="en-GB">
+                    <a:noFill/>
+                  </a:rPr>
+                  <a:t> </a:t>
+                </a:r>
+              </a:p>
+            </p:txBody>
+          </p:sp>
+        </mc:Fallback>
+      </mc:AlternateContent>
+      <mc:AlternateContent xmlns:mc="http://schemas.openxmlformats.org/markup-compatibility/2006">
+        <mc:Choice xmlns:a14="http://schemas.microsoft.com/office/drawing/2010/main" Requires="a14">
+          <p:sp>
+            <p:nvSpPr>
+              <p:cNvPr id="124" name="TextBox 123">
+                <a:extLst>
+                  <a:ext uri="{FF2B5EF4-FFF2-40B4-BE49-F238E27FC236}">
+                    <a16:creationId xmlns:a16="http://schemas.microsoft.com/office/drawing/2014/main" id="{F7BE24DF-6070-4BA3-A392-AE5AA3444217}"/>
+                  </a:ext>
+                </a:extLst>
+              </p:cNvPr>
+              <p:cNvSpPr txBox="1"/>
+              <p:nvPr/>
+            </p:nvSpPr>
+            <p:spPr>
+              <a:xfrm>
+                <a:off x="1981701" y="925040"/>
+                <a:ext cx="316172" cy="369332"/>
+              </a:xfrm>
+              <a:prstGeom prst="rect">
+                <a:avLst/>
+              </a:prstGeom>
+              <a:noFill/>
+            </p:spPr>
+            <p:txBody>
+              <a:bodyPr wrap="square">
+                <a:spAutoFit/>
+              </a:bodyPr>
+              <a:lstStyle/>
+              <a:p>
+                <a:pPr/>
+                <a14:m>
+                  <m:oMathPara xmlns:m="http://schemas.openxmlformats.org/officeDocument/2006/math">
+                    <m:oMathParaPr>
+                      <m:jc m:val="centerGroup"/>
+                    </m:oMathParaPr>
+                    <m:oMath xmlns:m="http://schemas.openxmlformats.org/officeDocument/2006/math">
+                      <m:r>
+                        <a:rPr lang="en-GB" b="0" i="1" smtClean="0">
+                          <a:latin typeface="Cambria Math" panose="02040503050406030204" pitchFamily="18" charset="0"/>
+                        </a:rPr>
+                        <m:t>~</m:t>
+                      </m:r>
+                    </m:oMath>
+                  </m:oMathPara>
+                </a14:m>
+                <a:endParaRPr lang="en-GB" dirty="0"/>
+              </a:p>
+            </p:txBody>
+          </p:sp>
+        </mc:Choice>
+        <mc:Fallback>
+          <p:sp>
+            <p:nvSpPr>
+              <p:cNvPr id="124" name="TextBox 123">
+                <a:extLst>
+                  <a:ext uri="{FF2B5EF4-FFF2-40B4-BE49-F238E27FC236}">
+                    <a16:creationId xmlns:a16="http://schemas.microsoft.com/office/drawing/2014/main" id="{F7BE24DF-6070-4BA3-A392-AE5AA3444217}"/>
+                  </a:ext>
+                </a:extLst>
+              </p:cNvPr>
+              <p:cNvSpPr txBox="1">
+                <a:spLocks noRot="1" noChangeAspect="1" noMove="1" noResize="1" noEditPoints="1" noAdjustHandles="1" noChangeArrowheads="1" noChangeShapeType="1" noTextEdit="1"/>
+              </p:cNvSpPr>
+              <p:nvPr/>
+            </p:nvSpPr>
+            <p:spPr>
+              <a:xfrm>
+                <a:off x="1981701" y="925040"/>
+                <a:ext cx="316172" cy="369332"/>
+              </a:xfrm>
+              <a:prstGeom prst="rect">
+                <a:avLst/>
+              </a:prstGeom>
+              <a:blipFill>
+                <a:blip r:embed="rId20"/>
+                <a:stretch>
+                  <a:fillRect/>
+                </a:stretch>
+              </a:blipFill>
+            </p:spPr>
+            <p:txBody>
+              <a:bodyPr/>
+              <a:lstStyle/>
+              <a:p>
+                <a:r>
+                  <a:rPr lang="en-GB">
+                    <a:noFill/>
+                  </a:rPr>
+                  <a:t> </a:t>
+                </a:r>
+              </a:p>
+            </p:txBody>
+          </p:sp>
+        </mc:Fallback>
+      </mc:AlternateContent>
+      <mc:AlternateContent xmlns:mc="http://schemas.openxmlformats.org/markup-compatibility/2006">
+        <mc:Choice xmlns:a14="http://schemas.microsoft.com/office/drawing/2010/main" Requires="a14">
+          <p:sp>
+            <p:nvSpPr>
+              <p:cNvPr id="125" name="TextBox 124">
+                <a:extLst>
+                  <a:ext uri="{FF2B5EF4-FFF2-40B4-BE49-F238E27FC236}">
+                    <a16:creationId xmlns:a16="http://schemas.microsoft.com/office/drawing/2014/main" id="{8E94C02F-6A6F-4B55-9224-08CF481E7D12}"/>
+                  </a:ext>
+                </a:extLst>
+              </p:cNvPr>
+              <p:cNvSpPr txBox="1"/>
+              <p:nvPr/>
+            </p:nvSpPr>
+            <p:spPr>
+              <a:xfrm>
+                <a:off x="5916225" y="2926738"/>
+                <a:ext cx="316172" cy="369332"/>
+              </a:xfrm>
+              <a:prstGeom prst="rect">
+                <a:avLst/>
+              </a:prstGeom>
+              <a:noFill/>
+            </p:spPr>
+            <p:txBody>
+              <a:bodyPr wrap="square">
+                <a:spAutoFit/>
+              </a:bodyPr>
+              <a:lstStyle/>
+              <a:p>
+                <a:pPr/>
+                <a14:m>
+                  <m:oMathPara xmlns:m="http://schemas.openxmlformats.org/officeDocument/2006/math">
+                    <m:oMathParaPr>
+                      <m:jc m:val="centerGroup"/>
+                    </m:oMathParaPr>
+                    <m:oMath xmlns:m="http://schemas.openxmlformats.org/officeDocument/2006/math">
+                      <m:r>
+                        <a:rPr lang="en-GB" b="0" i="1" smtClean="0">
+                          <a:latin typeface="Cambria Math" panose="02040503050406030204" pitchFamily="18" charset="0"/>
+                        </a:rPr>
+                        <m:t>~</m:t>
+                      </m:r>
+                    </m:oMath>
+                  </m:oMathPara>
+                </a14:m>
+                <a:endParaRPr lang="en-GB" dirty="0"/>
+              </a:p>
+            </p:txBody>
+          </p:sp>
+        </mc:Choice>
+        <mc:Fallback>
+          <p:sp>
+            <p:nvSpPr>
+              <p:cNvPr id="125" name="TextBox 124">
+                <a:extLst>
+                  <a:ext uri="{FF2B5EF4-FFF2-40B4-BE49-F238E27FC236}">
+                    <a16:creationId xmlns:a16="http://schemas.microsoft.com/office/drawing/2014/main" id="{8E94C02F-6A6F-4B55-9224-08CF481E7D12}"/>
+                  </a:ext>
+                </a:extLst>
+              </p:cNvPr>
+              <p:cNvSpPr txBox="1">
+                <a:spLocks noRot="1" noChangeAspect="1" noMove="1" noResize="1" noEditPoints="1" noAdjustHandles="1" noChangeArrowheads="1" noChangeShapeType="1" noTextEdit="1"/>
+              </p:cNvSpPr>
+              <p:nvPr/>
+            </p:nvSpPr>
+            <p:spPr>
+              <a:xfrm>
+                <a:off x="5916225" y="2926738"/>
+                <a:ext cx="316172" cy="369332"/>
+              </a:xfrm>
+              <a:prstGeom prst="rect">
+                <a:avLst/>
+              </a:prstGeom>
+              <a:blipFill>
+                <a:blip r:embed="rId21"/>
+                <a:stretch>
+                  <a:fillRect/>
+                </a:stretch>
+              </a:blipFill>
+            </p:spPr>
+            <p:txBody>
+              <a:bodyPr/>
+              <a:lstStyle/>
+              <a:p>
+                <a:r>
+                  <a:rPr lang="en-GB">
+                    <a:noFill/>
+                  </a:rPr>
+                  <a:t> </a:t>
+                </a:r>
+              </a:p>
+            </p:txBody>
+          </p:sp>
+        </mc:Fallback>
+      </mc:AlternateContent>
+      <mc:AlternateContent xmlns:mc="http://schemas.openxmlformats.org/markup-compatibility/2006">
+        <mc:Choice xmlns:a14="http://schemas.microsoft.com/office/drawing/2010/main" Requires="a14">
+          <p:sp>
+            <p:nvSpPr>
+              <p:cNvPr id="126" name="TextBox 125">
+                <a:extLst>
+                  <a:ext uri="{FF2B5EF4-FFF2-40B4-BE49-F238E27FC236}">
+                    <a16:creationId xmlns:a16="http://schemas.microsoft.com/office/drawing/2014/main" id="{1C74236E-A3D7-4F2F-B8BA-75DBB4A2B688}"/>
+                  </a:ext>
+                </a:extLst>
+              </p:cNvPr>
+              <p:cNvSpPr txBox="1"/>
+              <p:nvPr/>
+            </p:nvSpPr>
+            <p:spPr>
+              <a:xfrm>
+                <a:off x="4866265" y="2402981"/>
+                <a:ext cx="316172" cy="369332"/>
+              </a:xfrm>
+              <a:prstGeom prst="rect">
+                <a:avLst/>
+              </a:prstGeom>
+              <a:noFill/>
+            </p:spPr>
+            <p:txBody>
+              <a:bodyPr wrap="square">
+                <a:spAutoFit/>
+              </a:bodyPr>
+              <a:lstStyle/>
+              <a:p>
+                <a:pPr/>
+                <a14:m>
+                  <m:oMathPara xmlns:m="http://schemas.openxmlformats.org/officeDocument/2006/math">
+                    <m:oMathParaPr>
+                      <m:jc m:val="centerGroup"/>
+                    </m:oMathParaPr>
+                    <m:oMath xmlns:m="http://schemas.openxmlformats.org/officeDocument/2006/math">
+                      <m:r>
+                        <a:rPr lang="en-GB" b="0" i="1" smtClean="0">
+                          <a:latin typeface="Cambria Math" panose="02040503050406030204" pitchFamily="18" charset="0"/>
+                        </a:rPr>
+                        <m:t>~</m:t>
+                      </m:r>
+                    </m:oMath>
+                  </m:oMathPara>
+                </a14:m>
+                <a:endParaRPr lang="en-GB" dirty="0"/>
+              </a:p>
+            </p:txBody>
+          </p:sp>
+        </mc:Choice>
+        <mc:Fallback>
+          <p:sp>
+            <p:nvSpPr>
+              <p:cNvPr id="126" name="TextBox 125">
+                <a:extLst>
+                  <a:ext uri="{FF2B5EF4-FFF2-40B4-BE49-F238E27FC236}">
+                    <a16:creationId xmlns:a16="http://schemas.microsoft.com/office/drawing/2014/main" id="{1C74236E-A3D7-4F2F-B8BA-75DBB4A2B688}"/>
+                  </a:ext>
+                </a:extLst>
+              </p:cNvPr>
+              <p:cNvSpPr txBox="1">
+                <a:spLocks noRot="1" noChangeAspect="1" noMove="1" noResize="1" noEditPoints="1" noAdjustHandles="1" noChangeArrowheads="1" noChangeShapeType="1" noTextEdit="1"/>
+              </p:cNvSpPr>
+              <p:nvPr/>
+            </p:nvSpPr>
+            <p:spPr>
+              <a:xfrm>
+                <a:off x="4866265" y="2402981"/>
+                <a:ext cx="316172" cy="369332"/>
+              </a:xfrm>
+              <a:prstGeom prst="rect">
+                <a:avLst/>
+              </a:prstGeom>
+              <a:blipFill>
+                <a:blip r:embed="rId22"/>
+                <a:stretch>
+                  <a:fillRect/>
+                </a:stretch>
+              </a:blipFill>
+            </p:spPr>
+            <p:txBody>
+              <a:bodyPr/>
+              <a:lstStyle/>
+              <a:p>
+                <a:r>
+                  <a:rPr lang="en-GB">
+                    <a:noFill/>
+                  </a:rPr>
+                  <a:t> </a:t>
+                </a:r>
+              </a:p>
+            </p:txBody>
+          </p:sp>
+        </mc:Fallback>
+      </mc:AlternateContent>
+      <mc:AlternateContent xmlns:mc="http://schemas.openxmlformats.org/markup-compatibility/2006">
+        <mc:Choice xmlns:a14="http://schemas.microsoft.com/office/drawing/2010/main" Requires="a14">
+          <p:sp>
+            <p:nvSpPr>
+              <p:cNvPr id="127" name="TextBox 126">
+                <a:extLst>
+                  <a:ext uri="{FF2B5EF4-FFF2-40B4-BE49-F238E27FC236}">
+                    <a16:creationId xmlns:a16="http://schemas.microsoft.com/office/drawing/2014/main" id="{6F379C52-E383-437D-86D6-D6A15791F5F2}"/>
+                  </a:ext>
+                </a:extLst>
+              </p:cNvPr>
+              <p:cNvSpPr txBox="1"/>
+              <p:nvPr/>
+            </p:nvSpPr>
+            <p:spPr>
+              <a:xfrm>
+                <a:off x="6202945" y="3017809"/>
+                <a:ext cx="316172" cy="369332"/>
+              </a:xfrm>
+              <a:prstGeom prst="rect">
+                <a:avLst/>
+              </a:prstGeom>
+              <a:noFill/>
+            </p:spPr>
+            <p:txBody>
+              <a:bodyPr wrap="square">
+                <a:spAutoFit/>
+              </a:bodyPr>
+              <a:lstStyle/>
+              <a:p>
+                <a:pPr/>
+                <a14:m>
+                  <m:oMathPara xmlns:m="http://schemas.openxmlformats.org/officeDocument/2006/math">
+                    <m:oMathParaPr>
+                      <m:jc m:val="centerGroup"/>
+                    </m:oMathParaPr>
+                    <m:oMath xmlns:m="http://schemas.openxmlformats.org/officeDocument/2006/math">
+                      <m:r>
+                        <a:rPr lang="en-GB" b="0" i="1" smtClean="0">
+                          <a:latin typeface="Cambria Math" panose="02040503050406030204" pitchFamily="18" charset="0"/>
+                        </a:rPr>
+                        <m:t>𝑗</m:t>
+                      </m:r>
+                    </m:oMath>
+                  </m:oMathPara>
+                </a14:m>
+                <a:endParaRPr lang="en-GB" dirty="0"/>
+              </a:p>
+            </p:txBody>
+          </p:sp>
+        </mc:Choice>
+        <mc:Fallback>
+          <p:sp>
+            <p:nvSpPr>
+              <p:cNvPr id="127" name="TextBox 126">
+                <a:extLst>
+                  <a:ext uri="{FF2B5EF4-FFF2-40B4-BE49-F238E27FC236}">
+                    <a16:creationId xmlns:a16="http://schemas.microsoft.com/office/drawing/2014/main" id="{6F379C52-E383-437D-86D6-D6A15791F5F2}"/>
+                  </a:ext>
+                </a:extLst>
+              </p:cNvPr>
+              <p:cNvSpPr txBox="1">
+                <a:spLocks noRot="1" noChangeAspect="1" noMove="1" noResize="1" noEditPoints="1" noAdjustHandles="1" noChangeArrowheads="1" noChangeShapeType="1" noTextEdit="1"/>
+              </p:cNvSpPr>
+              <p:nvPr/>
+            </p:nvSpPr>
+            <p:spPr>
+              <a:xfrm>
+                <a:off x="6202945" y="3017809"/>
+                <a:ext cx="316172" cy="369332"/>
+              </a:xfrm>
+              <a:prstGeom prst="rect">
+                <a:avLst/>
+              </a:prstGeom>
+              <a:blipFill>
+                <a:blip r:embed="rId23"/>
+                <a:stretch>
+                  <a:fillRect b="-13115"/>
+                </a:stretch>
+              </a:blipFill>
+            </p:spPr>
+            <p:txBody>
+              <a:bodyPr/>
+              <a:lstStyle/>
+              <a:p>
+                <a:r>
+                  <a:rPr lang="en-GB">
+                    <a:noFill/>
+                  </a:rPr>
+                  <a:t> </a:t>
+                </a:r>
+              </a:p>
+            </p:txBody>
+          </p:sp>
+        </mc:Fallback>
+      </mc:AlternateContent>
+      <mc:AlternateContent xmlns:mc="http://schemas.openxmlformats.org/markup-compatibility/2006">
+        <mc:Choice xmlns:a14="http://schemas.microsoft.com/office/drawing/2010/main" Requires="a14">
+          <p:sp>
+            <p:nvSpPr>
+              <p:cNvPr id="128" name="TextBox 127">
+                <a:extLst>
+                  <a:ext uri="{FF2B5EF4-FFF2-40B4-BE49-F238E27FC236}">
+                    <a16:creationId xmlns:a16="http://schemas.microsoft.com/office/drawing/2014/main" id="{B2D9ECEF-B4B7-4C97-BF3F-6005DF0FAA1C}"/>
+                  </a:ext>
+                </a:extLst>
+              </p:cNvPr>
+              <p:cNvSpPr txBox="1"/>
+              <p:nvPr/>
+            </p:nvSpPr>
+            <p:spPr>
+              <a:xfrm>
+                <a:off x="3821433" y="1414693"/>
+                <a:ext cx="316172" cy="369332"/>
+              </a:xfrm>
+              <a:prstGeom prst="rect">
+                <a:avLst/>
+              </a:prstGeom>
+              <a:noFill/>
+            </p:spPr>
+            <p:txBody>
+              <a:bodyPr wrap="square">
+                <a:spAutoFit/>
+              </a:bodyPr>
+              <a:lstStyle/>
+              <a:p>
+                <a:pPr/>
+                <a14:m>
+                  <m:oMathPara xmlns:m="http://schemas.openxmlformats.org/officeDocument/2006/math">
+                    <m:oMathParaPr>
+                      <m:jc m:val="centerGroup"/>
+                    </m:oMathParaPr>
+                    <m:oMath xmlns:m="http://schemas.openxmlformats.org/officeDocument/2006/math">
+                      <m:r>
+                        <a:rPr lang="en-GB" b="0" i="1" smtClean="0">
+                          <a:latin typeface="Cambria Math" panose="02040503050406030204" pitchFamily="18" charset="0"/>
+                        </a:rPr>
+                        <m:t>~</m:t>
+                      </m:r>
+                    </m:oMath>
+                  </m:oMathPara>
+                </a14:m>
+                <a:endParaRPr lang="en-GB" dirty="0"/>
+              </a:p>
+            </p:txBody>
+          </p:sp>
+        </mc:Choice>
+        <mc:Fallback>
+          <p:sp>
+            <p:nvSpPr>
+              <p:cNvPr id="128" name="TextBox 127">
+                <a:extLst>
+                  <a:ext uri="{FF2B5EF4-FFF2-40B4-BE49-F238E27FC236}">
+                    <a16:creationId xmlns:a16="http://schemas.microsoft.com/office/drawing/2014/main" id="{B2D9ECEF-B4B7-4C97-BF3F-6005DF0FAA1C}"/>
+                  </a:ext>
+                </a:extLst>
+              </p:cNvPr>
+              <p:cNvSpPr txBox="1">
+                <a:spLocks noRot="1" noChangeAspect="1" noMove="1" noResize="1" noEditPoints="1" noAdjustHandles="1" noChangeArrowheads="1" noChangeShapeType="1" noTextEdit="1"/>
+              </p:cNvSpPr>
+              <p:nvPr/>
+            </p:nvSpPr>
+            <p:spPr>
+              <a:xfrm>
+                <a:off x="3821433" y="1414693"/>
+                <a:ext cx="316172" cy="369332"/>
+              </a:xfrm>
+              <a:prstGeom prst="rect">
+                <a:avLst/>
+              </a:prstGeom>
+              <a:blipFill>
+                <a:blip r:embed="rId24"/>
+                <a:stretch>
+                  <a:fillRect/>
+                </a:stretch>
+              </a:blipFill>
+            </p:spPr>
+            <p:txBody>
+              <a:bodyPr/>
+              <a:lstStyle/>
+              <a:p>
+                <a:r>
+                  <a:rPr lang="en-GB">
+                    <a:noFill/>
+                  </a:rPr>
+                  <a:t> </a:t>
+                </a:r>
+              </a:p>
+            </p:txBody>
+          </p:sp>
+        </mc:Fallback>
+      </mc:AlternateContent>
+      <mc:AlternateContent xmlns:mc="http://schemas.openxmlformats.org/markup-compatibility/2006">
+        <mc:Choice xmlns:a14="http://schemas.microsoft.com/office/drawing/2010/main" Requires="a14">
+          <p:sp>
+            <p:nvSpPr>
+              <p:cNvPr id="129" name="TextBox 128">
+                <a:extLst>
+                  <a:ext uri="{FF2B5EF4-FFF2-40B4-BE49-F238E27FC236}">
+                    <a16:creationId xmlns:a16="http://schemas.microsoft.com/office/drawing/2014/main" id="{09DDCB01-E570-4126-8737-29970159AE40}"/>
+                  </a:ext>
+                </a:extLst>
+              </p:cNvPr>
+              <p:cNvSpPr txBox="1"/>
+              <p:nvPr/>
+            </p:nvSpPr>
+            <p:spPr>
+              <a:xfrm>
+                <a:off x="4771910" y="839176"/>
+                <a:ext cx="316172" cy="369332"/>
+              </a:xfrm>
+              <a:prstGeom prst="rect">
+                <a:avLst/>
+              </a:prstGeom>
+              <a:noFill/>
+            </p:spPr>
+            <p:txBody>
+              <a:bodyPr wrap="square">
+                <a:spAutoFit/>
+              </a:bodyPr>
+              <a:lstStyle/>
+              <a:p>
+                <a:pPr/>
+                <a14:m>
+                  <m:oMathPara xmlns:m="http://schemas.openxmlformats.org/officeDocument/2006/math">
+                    <m:oMathParaPr>
+                      <m:jc m:val="centerGroup"/>
+                    </m:oMathParaPr>
+                    <m:oMath xmlns:m="http://schemas.openxmlformats.org/officeDocument/2006/math">
+                      <m:r>
+                        <a:rPr lang="en-GB" b="0" i="1" smtClean="0">
+                          <a:latin typeface="Cambria Math" panose="02040503050406030204" pitchFamily="18" charset="0"/>
+                        </a:rPr>
+                        <m:t>~</m:t>
+                      </m:r>
+                    </m:oMath>
+                  </m:oMathPara>
+                </a14:m>
+                <a:endParaRPr lang="en-GB" dirty="0"/>
+              </a:p>
+            </p:txBody>
+          </p:sp>
+        </mc:Choice>
+        <mc:Fallback>
+          <p:sp>
+            <p:nvSpPr>
+              <p:cNvPr id="129" name="TextBox 128">
+                <a:extLst>
+                  <a:ext uri="{FF2B5EF4-FFF2-40B4-BE49-F238E27FC236}">
+                    <a16:creationId xmlns:a16="http://schemas.microsoft.com/office/drawing/2014/main" id="{09DDCB01-E570-4126-8737-29970159AE40}"/>
+                  </a:ext>
+                </a:extLst>
+              </p:cNvPr>
+              <p:cNvSpPr txBox="1">
+                <a:spLocks noRot="1" noChangeAspect="1" noMove="1" noResize="1" noEditPoints="1" noAdjustHandles="1" noChangeArrowheads="1" noChangeShapeType="1" noTextEdit="1"/>
+              </p:cNvSpPr>
+              <p:nvPr/>
+            </p:nvSpPr>
+            <p:spPr>
+              <a:xfrm>
+                <a:off x="4771910" y="839176"/>
+                <a:ext cx="316172" cy="369332"/>
+              </a:xfrm>
+              <a:prstGeom prst="rect">
+                <a:avLst/>
+              </a:prstGeom>
+              <a:blipFill>
+                <a:blip r:embed="rId25"/>
+                <a:stretch>
+                  <a:fillRect/>
+                </a:stretch>
+              </a:blipFill>
+            </p:spPr>
+            <p:txBody>
+              <a:bodyPr/>
+              <a:lstStyle/>
+              <a:p>
+                <a:r>
+                  <a:rPr lang="en-GB">
+                    <a:noFill/>
+                  </a:rPr>
+                  <a:t> </a:t>
+                </a:r>
+              </a:p>
+            </p:txBody>
+          </p:sp>
+        </mc:Fallback>
+      </mc:AlternateContent>
+      <p:sp>
+        <p:nvSpPr>
+          <p:cNvPr id="130" name="TextBox 129">
+            <a:extLst>
+              <a:ext uri="{FF2B5EF4-FFF2-40B4-BE49-F238E27FC236}">
+                <a16:creationId xmlns:a16="http://schemas.microsoft.com/office/drawing/2014/main" id="{90DABBB6-E4AA-4735-97B6-3FD2E39CD778}"/>
+              </a:ext>
+            </a:extLst>
+          </p:cNvPr>
+          <p:cNvSpPr txBox="1"/>
+          <p:nvPr/>
+        </p:nvSpPr>
+        <p:spPr>
+          <a:xfrm>
+            <a:off x="115368" y="147579"/>
+            <a:ext cx="2373598" cy="369332"/>
+          </a:xfrm>
+          <a:prstGeom prst="rect">
+            <a:avLst/>
+          </a:prstGeom>
+          <a:noFill/>
+        </p:spPr>
+        <p:txBody>
+          <a:bodyPr wrap="none" rtlCol="0">
+            <a:spAutoFit/>
+          </a:bodyPr>
+          <a:lstStyle/>
+          <a:p>
+            <a:r>
+              <a:rPr lang="en-GB" dirty="0"/>
+              <a:t>Fig 2a) Model structure</a:t>
+            </a:r>
+          </a:p>
+        </p:txBody>
+      </p:sp>
+      <p:sp>
+        <p:nvSpPr>
+          <p:cNvPr id="131" name="TextBox 130">
+            <a:extLst>
+              <a:ext uri="{FF2B5EF4-FFF2-40B4-BE49-F238E27FC236}">
+                <a16:creationId xmlns:a16="http://schemas.microsoft.com/office/drawing/2014/main" id="{4B71864F-B7F1-4EF5-A202-F8C22233CCF7}"/>
+              </a:ext>
+            </a:extLst>
+          </p:cNvPr>
+          <p:cNvSpPr txBox="1"/>
+          <p:nvPr/>
+        </p:nvSpPr>
+        <p:spPr>
+          <a:xfrm>
+            <a:off x="124678" y="3168865"/>
+            <a:ext cx="1686231" cy="369332"/>
+          </a:xfrm>
+          <a:prstGeom prst="rect">
+            <a:avLst/>
+          </a:prstGeom>
+          <a:noFill/>
+        </p:spPr>
+        <p:txBody>
+          <a:bodyPr wrap="none" rtlCol="0">
+            <a:spAutoFit/>
+          </a:bodyPr>
+          <a:lstStyle/>
+          <a:p>
+            <a:r>
+              <a:rPr lang="en-GB" dirty="0"/>
+              <a:t>Fig 2b) Gradient</a:t>
+            </a:r>
+          </a:p>
+        </p:txBody>
+      </p:sp>
+      <p:sp>
+        <p:nvSpPr>
+          <p:cNvPr id="132" name="TextBox 131">
+            <a:extLst>
+              <a:ext uri="{FF2B5EF4-FFF2-40B4-BE49-F238E27FC236}">
+                <a16:creationId xmlns:a16="http://schemas.microsoft.com/office/drawing/2014/main" id="{5958A3C4-4100-4047-8343-272C4189D1A5}"/>
+              </a:ext>
+            </a:extLst>
+          </p:cNvPr>
+          <p:cNvSpPr txBox="1"/>
+          <p:nvPr/>
+        </p:nvSpPr>
+        <p:spPr>
+          <a:xfrm>
+            <a:off x="939132" y="839176"/>
+            <a:ext cx="727315" cy="369332"/>
+          </a:xfrm>
+          <a:prstGeom prst="rect">
+            <a:avLst/>
+          </a:prstGeom>
+          <a:noFill/>
+        </p:spPr>
+        <p:txBody>
+          <a:bodyPr wrap="none" rtlCol="0">
+            <a:spAutoFit/>
+          </a:bodyPr>
+          <a:lstStyle/>
+          <a:p>
+            <a:r>
+              <a:rPr lang="en-GB" dirty="0"/>
+              <a:t>priors</a:t>
+            </a:r>
+          </a:p>
+        </p:txBody>
+      </p:sp>
+      <p:sp>
+        <p:nvSpPr>
+          <p:cNvPr id="133" name="TextBox 132">
+            <a:extLst>
+              <a:ext uri="{FF2B5EF4-FFF2-40B4-BE49-F238E27FC236}">
+                <a16:creationId xmlns:a16="http://schemas.microsoft.com/office/drawing/2014/main" id="{9D2F01E5-06A8-4450-8FBC-63A0B377FAAC}"/>
+              </a:ext>
+            </a:extLst>
+          </p:cNvPr>
+          <p:cNvSpPr txBox="1"/>
+          <p:nvPr/>
+        </p:nvSpPr>
+        <p:spPr>
+          <a:xfrm>
+            <a:off x="877532" y="2343282"/>
+            <a:ext cx="1095749" cy="369332"/>
+          </a:xfrm>
+          <a:prstGeom prst="rect">
+            <a:avLst/>
+          </a:prstGeom>
+          <a:noFill/>
+        </p:spPr>
+        <p:txBody>
+          <a:bodyPr wrap="none" rtlCol="0">
+            <a:spAutoFit/>
+          </a:bodyPr>
+          <a:lstStyle/>
+          <a:p>
+            <a:r>
+              <a:rPr lang="en-GB" dirty="0"/>
+              <a:t>likelihood</a:t>
+            </a:r>
+          </a:p>
+        </p:txBody>
+      </p:sp>
+      <p:sp>
+        <p:nvSpPr>
+          <p:cNvPr id="136" name="Right Brace 135">
+            <a:extLst>
+              <a:ext uri="{FF2B5EF4-FFF2-40B4-BE49-F238E27FC236}">
+                <a16:creationId xmlns:a16="http://schemas.microsoft.com/office/drawing/2014/main" id="{99E68B43-36C1-468D-8A4C-56E02818A368}"/>
+              </a:ext>
+            </a:extLst>
+          </p:cNvPr>
+          <p:cNvSpPr/>
+          <p:nvPr/>
+        </p:nvSpPr>
+        <p:spPr>
+          <a:xfrm rot="10800000">
+            <a:off x="1666447" y="249381"/>
+            <a:ext cx="236322" cy="1516601"/>
+          </a:xfrm>
+          <a:prstGeom prst="rightBrace">
+            <a:avLst/>
+          </a:prstGeom>
+          <a:ln w="12700">
+            <a:solidFill>
+              <a:schemeClr val="tx1"/>
+            </a:solidFill>
+          </a:ln>
+        </p:spPr>
+        <p:style>
+          <a:lnRef idx="1">
+            <a:schemeClr val="accent1"/>
+          </a:lnRef>
+          <a:fillRef idx="0">
+            <a:schemeClr val="accent1"/>
+          </a:fillRef>
+          <a:effectRef idx="0">
+            <a:schemeClr val="accent1"/>
+          </a:effectRef>
+          <a:fontRef idx="minor">
+            <a:schemeClr val="tx1"/>
+          </a:fontRef>
+        </p:style>
+        <p:txBody>
+          <a:bodyPr rtlCol="0" anchor="ctr"/>
+          <a:lstStyle/>
+          <a:p>
+            <a:pPr algn="ctr"/>
+            <a:endParaRPr lang="en-GB"/>
+          </a:p>
+        </p:txBody>
+      </p:sp>
+      <p:sp>
+        <p:nvSpPr>
+          <p:cNvPr id="137" name="Right Brace 136">
+            <a:extLst>
+              <a:ext uri="{FF2B5EF4-FFF2-40B4-BE49-F238E27FC236}">
+                <a16:creationId xmlns:a16="http://schemas.microsoft.com/office/drawing/2014/main" id="{702C5029-AF2E-49EC-A11A-674D1FF3692A}"/>
+              </a:ext>
+            </a:extLst>
+          </p:cNvPr>
+          <p:cNvSpPr/>
+          <p:nvPr/>
+        </p:nvSpPr>
+        <p:spPr>
+          <a:xfrm rot="10800000">
+            <a:off x="2040048" y="2125396"/>
+            <a:ext cx="236322" cy="2396476"/>
+          </a:xfrm>
+          <a:prstGeom prst="rightBrace">
+            <a:avLst>
+              <a:gd name="adj1" fmla="val 8333"/>
+              <a:gd name="adj2" fmla="val 81797"/>
+            </a:avLst>
+          </a:prstGeom>
+          <a:ln w="12700">
+            <a:solidFill>
+              <a:schemeClr val="tx1"/>
+            </a:solidFill>
+          </a:ln>
+        </p:spPr>
+        <p:style>
+          <a:lnRef idx="1">
+            <a:schemeClr val="accent1"/>
+          </a:lnRef>
+          <a:fillRef idx="0">
+            <a:schemeClr val="accent1"/>
+          </a:fillRef>
+          <a:effectRef idx="0">
+            <a:schemeClr val="accent1"/>
+          </a:effectRef>
+          <a:fontRef idx="minor">
+            <a:schemeClr val="tx1"/>
+          </a:fontRef>
+        </p:style>
+        <p:txBody>
+          <a:bodyPr rtlCol="0" anchor="ctr"/>
+          <a:lstStyle/>
+          <a:p>
+            <a:pPr algn="ctr"/>
+            <a:endParaRPr lang="en-GB"/>
+          </a:p>
+        </p:txBody>
+      </p:sp>
+    </p:spTree>
+    <p:extLst>
+      <p:ext uri="{BB962C8B-B14F-4D97-AF65-F5344CB8AC3E}">
+        <p14:creationId xmlns:p14="http://schemas.microsoft.com/office/powerpoint/2010/main" val="1619269315"/>
+      </p:ext>
+    </p:extLst>
+  </p:cSld>
+  <p:clrMapOvr>
+    <a:masterClrMapping/>
+  </p:clrMapOvr>
+</p:sld>
+</file>
+
 <file path=ppt/theme/theme1.xml><?xml version="1.0" encoding="utf-8"?>
 <a:theme xmlns:a="http://schemas.openxmlformats.org/drawingml/2006/main" name="Office Theme">
   <a:themeElements>
